--- a/assets/Katip.pptx
+++ b/assets/Katip.pptx
@@ -5,14 +5,13 @@
     <p:sldMasterId id="2147483660" r:id="rId1"/>
   </p:sldMasterIdLst>
   <p:notesMasterIdLst>
-    <p:notesMasterId r:id="rId7"/>
+    <p:notesMasterId r:id="rId6"/>
   </p:notesMasterIdLst>
   <p:sldIdLst>
     <p:sldId id="259" r:id="rId2"/>
     <p:sldId id="257" r:id="rId3"/>
     <p:sldId id="261" r:id="rId4"/>
-    <p:sldId id="268" r:id="rId5"/>
-    <p:sldId id="265" r:id="rId6"/>
+    <p:sldId id="265" r:id="rId5"/>
   </p:sldIdLst>
   <p:sldSz cx="9144000" cy="6858000" type="screen4x3"/>
   <p:notesSz cx="6858000" cy="9144000"/>
@@ -3706,7 +3705,7 @@
                 </a:solidFill>
                 <a:latin typeface="Cambria" panose="02040503050406030204" pitchFamily="18" charset="0"/>
               </a:rPr>
-              <a:t>Nota Yazım Uygulamaları (Yb.)</a:t>
+              <a:t>Nota Yazım Uygulamaları</a:t>
             </a:r>
           </a:p>
         </p:txBody>
@@ -3727,7 +3726,12 @@
             <p:ph idx="1"/>
           </p:nvPr>
         </p:nvSpPr>
-        <p:spPr/>
+        <p:spPr>
+          <a:xfrm>
+            <a:off x="5014219" y="1978025"/>
+            <a:ext cx="3501131" cy="3978892"/>
+          </a:xfrm>
+        </p:spPr>
         <p:txBody>
           <a:bodyPr>
             <a:normAutofit/>
@@ -3735,73 +3739,28 @@
           <a:lstStyle/>
           <a:p>
             <a:r>
-              <a:rPr lang="tr-TR" dirty="0">
+              <a:rPr lang="en-US" sz="3200" dirty="0">
                 <a:solidFill>
                   <a:srgbClr val="243041"/>
                 </a:solidFill>
               </a:rPr>
-              <a:t>Cubase Score (Steinberg)</a:t>
-            </a:r>
-          </a:p>
-          <a:p>
-            <a:r>
-              <a:rPr lang="tr-TR" dirty="0">
+              <a:t>Nota [1]</a:t>
+            </a:r>
+          </a:p>
+          <a:p>
+            <a:r>
+              <a:rPr lang="en-US" sz="3200" dirty="0">
                 <a:solidFill>
                   <a:srgbClr val="243041"/>
                 </a:solidFill>
               </a:rPr>
-              <a:t>Finale </a:t>
-            </a:r>
-          </a:p>
-          <a:p>
-            <a:r>
-              <a:rPr lang="tr-TR" dirty="0">
-                <a:solidFill>
-                  <a:srgbClr val="243041"/>
-                </a:solidFill>
-              </a:rPr>
-              <a:t>Guitar Pro</a:t>
-            </a:r>
-          </a:p>
-          <a:p>
-            <a:r>
-              <a:rPr lang="tr-TR" dirty="0">
-                <a:solidFill>
-                  <a:srgbClr val="243041"/>
-                </a:solidFill>
-              </a:rPr>
-              <a:t>MuseScore</a:t>
-            </a:r>
-          </a:p>
-          <a:p>
-            <a:r>
-              <a:rPr lang="tr-TR" dirty="0">
-                <a:solidFill>
-                  <a:srgbClr val="243041"/>
-                </a:solidFill>
-              </a:rPr>
-              <a:t>Sibelius (Avid – Pro Tools)</a:t>
-            </a:r>
-          </a:p>
-          <a:p>
-            <a:r>
-              <a:rPr lang="tr-TR" dirty="0">
-                <a:solidFill>
-                  <a:srgbClr val="243041"/>
-                </a:solidFill>
-              </a:rPr>
-              <a:t>Flat.io</a:t>
-            </a:r>
-          </a:p>
-          <a:p>
-            <a:r>
-              <a:rPr lang="tr-TR" dirty="0">
-                <a:solidFill>
-                  <a:srgbClr val="243041"/>
-                </a:solidFill>
-              </a:rPr>
-              <a:t>Noteflight</a:t>
-            </a:r>
+              <a:t>Mus2</a:t>
+            </a:r>
+            <a:endParaRPr lang="tr-TR" sz="3200" dirty="0">
+              <a:solidFill>
+                <a:srgbClr val="243041"/>
+              </a:solidFill>
+            </a:endParaRPr>
           </a:p>
         </p:txBody>
       </p:sp>
@@ -3831,6 +3790,551 @@
               <a:t>3</a:t>
             </a:fld>
             <a:endParaRPr lang="en-TR"/>
+          </a:p>
+        </p:txBody>
+      </p:sp>
+      <p:sp>
+        <p:nvSpPr>
+          <p:cNvPr id="5" name="Content Placeholder 2">
+            <a:extLst>
+              <a:ext uri="{FF2B5EF4-FFF2-40B4-BE49-F238E27FC236}">
+                <a16:creationId xmlns:a16="http://schemas.microsoft.com/office/drawing/2014/main" id="{09B58434-C7BF-4D66-B7AA-C194E595AD35}"/>
+              </a:ext>
+            </a:extLst>
+          </p:cNvPr>
+          <p:cNvSpPr txBox="1">
+            <a:spLocks/>
+          </p:cNvSpPr>
+          <p:nvPr/>
+        </p:nvSpPr>
+        <p:spPr>
+          <a:xfrm>
+            <a:off x="781051" y="1978025"/>
+            <a:ext cx="3348732" cy="3978892"/>
+          </a:xfrm>
+          <a:prstGeom prst="rect">
+            <a:avLst/>
+          </a:prstGeom>
+        </p:spPr>
+        <p:txBody>
+          <a:bodyPr vert="horz" lIns="91440" tIns="45720" rIns="91440" bIns="45720" rtlCol="0">
+            <a:normAutofit/>
+          </a:bodyPr>
+          <a:lstStyle>
+            <a:lvl1pPr marL="228600" indent="-228600" algn="l" defTabSz="914400" rtl="0" eaLnBrk="1" latinLnBrk="0" hangingPunct="1">
+              <a:lnSpc>
+                <a:spcPct val="90000"/>
+              </a:lnSpc>
+              <a:spcBef>
+                <a:spcPts val="1000"/>
+              </a:spcBef>
+              <a:buFont typeface="Arial" panose="020B0604020202020204" pitchFamily="34" charset="0"/>
+              <a:buChar char="•"/>
+              <a:defRPr sz="2800" kern="1200">
+                <a:solidFill>
+                  <a:schemeClr val="tx1"/>
+                </a:solidFill>
+                <a:latin typeface="+mn-lt"/>
+                <a:ea typeface="+mn-ea"/>
+                <a:cs typeface="+mn-cs"/>
+              </a:defRPr>
+            </a:lvl1pPr>
+            <a:lvl2pPr marL="685800" indent="-228600" algn="l" defTabSz="914400" rtl="0" eaLnBrk="1" latinLnBrk="0" hangingPunct="1">
+              <a:lnSpc>
+                <a:spcPct val="90000"/>
+              </a:lnSpc>
+              <a:spcBef>
+                <a:spcPts val="500"/>
+              </a:spcBef>
+              <a:buFont typeface="Arial" panose="020B0604020202020204" pitchFamily="34" charset="0"/>
+              <a:buChar char="•"/>
+              <a:defRPr sz="2400" kern="1200">
+                <a:solidFill>
+                  <a:schemeClr val="tx1"/>
+                </a:solidFill>
+                <a:latin typeface="+mn-lt"/>
+                <a:ea typeface="+mn-ea"/>
+                <a:cs typeface="+mn-cs"/>
+              </a:defRPr>
+            </a:lvl2pPr>
+            <a:lvl3pPr marL="1143000" indent="-228600" algn="l" defTabSz="914400" rtl="0" eaLnBrk="1" latinLnBrk="0" hangingPunct="1">
+              <a:lnSpc>
+                <a:spcPct val="90000"/>
+              </a:lnSpc>
+              <a:spcBef>
+                <a:spcPts val="500"/>
+              </a:spcBef>
+              <a:buFont typeface="Arial" panose="020B0604020202020204" pitchFamily="34" charset="0"/>
+              <a:buChar char="•"/>
+              <a:defRPr sz="2000" kern="1200">
+                <a:solidFill>
+                  <a:schemeClr val="tx1"/>
+                </a:solidFill>
+                <a:latin typeface="+mn-lt"/>
+                <a:ea typeface="+mn-ea"/>
+                <a:cs typeface="+mn-cs"/>
+              </a:defRPr>
+            </a:lvl3pPr>
+            <a:lvl4pPr marL="1600200" indent="-228600" algn="l" defTabSz="914400" rtl="0" eaLnBrk="1" latinLnBrk="0" hangingPunct="1">
+              <a:lnSpc>
+                <a:spcPct val="90000"/>
+              </a:lnSpc>
+              <a:spcBef>
+                <a:spcPts val="500"/>
+              </a:spcBef>
+              <a:buFont typeface="Arial" panose="020B0604020202020204" pitchFamily="34" charset="0"/>
+              <a:buChar char="•"/>
+              <a:defRPr sz="1800" kern="1200">
+                <a:solidFill>
+                  <a:schemeClr val="tx1"/>
+                </a:solidFill>
+                <a:latin typeface="+mn-lt"/>
+                <a:ea typeface="+mn-ea"/>
+                <a:cs typeface="+mn-cs"/>
+              </a:defRPr>
+            </a:lvl4pPr>
+            <a:lvl5pPr marL="2057400" indent="-228600" algn="l" defTabSz="914400" rtl="0" eaLnBrk="1" latinLnBrk="0" hangingPunct="1">
+              <a:lnSpc>
+                <a:spcPct val="90000"/>
+              </a:lnSpc>
+              <a:spcBef>
+                <a:spcPts val="500"/>
+              </a:spcBef>
+              <a:buFont typeface="Arial" panose="020B0604020202020204" pitchFamily="34" charset="0"/>
+              <a:buChar char="•"/>
+              <a:defRPr sz="1800" kern="1200">
+                <a:solidFill>
+                  <a:schemeClr val="tx1"/>
+                </a:solidFill>
+                <a:latin typeface="+mn-lt"/>
+                <a:ea typeface="+mn-ea"/>
+                <a:cs typeface="+mn-cs"/>
+              </a:defRPr>
+            </a:lvl5pPr>
+            <a:lvl6pPr marL="2514600" indent="-228600" algn="l" defTabSz="914400" rtl="0" eaLnBrk="1" latinLnBrk="0" hangingPunct="1">
+              <a:lnSpc>
+                <a:spcPct val="90000"/>
+              </a:lnSpc>
+              <a:spcBef>
+                <a:spcPts val="500"/>
+              </a:spcBef>
+              <a:buFont typeface="Arial" panose="020B0604020202020204" pitchFamily="34" charset="0"/>
+              <a:buChar char="•"/>
+              <a:defRPr sz="1800" kern="1200">
+                <a:solidFill>
+                  <a:schemeClr val="tx1"/>
+                </a:solidFill>
+                <a:latin typeface="+mn-lt"/>
+                <a:ea typeface="+mn-ea"/>
+                <a:cs typeface="+mn-cs"/>
+              </a:defRPr>
+            </a:lvl6pPr>
+            <a:lvl7pPr marL="2971800" indent="-228600" algn="l" defTabSz="914400" rtl="0" eaLnBrk="1" latinLnBrk="0" hangingPunct="1">
+              <a:lnSpc>
+                <a:spcPct val="90000"/>
+              </a:lnSpc>
+              <a:spcBef>
+                <a:spcPts val="500"/>
+              </a:spcBef>
+              <a:buFont typeface="Arial" panose="020B0604020202020204" pitchFamily="34" charset="0"/>
+              <a:buChar char="•"/>
+              <a:defRPr sz="1800" kern="1200">
+                <a:solidFill>
+                  <a:schemeClr val="tx1"/>
+                </a:solidFill>
+                <a:latin typeface="+mn-lt"/>
+                <a:ea typeface="+mn-ea"/>
+                <a:cs typeface="+mn-cs"/>
+              </a:defRPr>
+            </a:lvl7pPr>
+            <a:lvl8pPr marL="3429000" indent="-228600" algn="l" defTabSz="914400" rtl="0" eaLnBrk="1" latinLnBrk="0" hangingPunct="1">
+              <a:lnSpc>
+                <a:spcPct val="90000"/>
+              </a:lnSpc>
+              <a:spcBef>
+                <a:spcPts val="500"/>
+              </a:spcBef>
+              <a:buFont typeface="Arial" panose="020B0604020202020204" pitchFamily="34" charset="0"/>
+              <a:buChar char="•"/>
+              <a:defRPr sz="1800" kern="1200">
+                <a:solidFill>
+                  <a:schemeClr val="tx1"/>
+                </a:solidFill>
+                <a:latin typeface="+mn-lt"/>
+                <a:ea typeface="+mn-ea"/>
+                <a:cs typeface="+mn-cs"/>
+              </a:defRPr>
+            </a:lvl8pPr>
+            <a:lvl9pPr marL="3886200" indent="-228600" algn="l" defTabSz="914400" rtl="0" eaLnBrk="1" latinLnBrk="0" hangingPunct="1">
+              <a:lnSpc>
+                <a:spcPct val="90000"/>
+              </a:lnSpc>
+              <a:spcBef>
+                <a:spcPts val="500"/>
+              </a:spcBef>
+              <a:buFont typeface="Arial" panose="020B0604020202020204" pitchFamily="34" charset="0"/>
+              <a:buChar char="•"/>
+              <a:defRPr sz="1800" kern="1200">
+                <a:solidFill>
+                  <a:schemeClr val="tx1"/>
+                </a:solidFill>
+                <a:latin typeface="+mn-lt"/>
+                <a:ea typeface="+mn-ea"/>
+                <a:cs typeface="+mn-cs"/>
+              </a:defRPr>
+            </a:lvl9pPr>
+          </a:lstStyle>
+          <a:p>
+            <a:r>
+              <a:rPr lang="tr-TR" sz="3200" dirty="0">
+                <a:solidFill>
+                  <a:srgbClr val="243041"/>
+                </a:solidFill>
+              </a:rPr>
+              <a:t>Cubase Score</a:t>
+            </a:r>
+          </a:p>
+          <a:p>
+            <a:r>
+              <a:rPr lang="tr-TR" sz="3200" dirty="0">
+                <a:solidFill>
+                  <a:srgbClr val="243041"/>
+                </a:solidFill>
+              </a:rPr>
+              <a:t>Finale </a:t>
+            </a:r>
+          </a:p>
+          <a:p>
+            <a:r>
+              <a:rPr lang="tr-TR" sz="3200" dirty="0">
+                <a:solidFill>
+                  <a:srgbClr val="243041"/>
+                </a:solidFill>
+              </a:rPr>
+              <a:t>Guitar Pro</a:t>
+            </a:r>
+          </a:p>
+          <a:p>
+            <a:r>
+              <a:rPr lang="tr-TR" sz="3200" dirty="0">
+                <a:solidFill>
+                  <a:srgbClr val="243041"/>
+                </a:solidFill>
+              </a:rPr>
+              <a:t>MuseScore</a:t>
+            </a:r>
+          </a:p>
+          <a:p>
+            <a:r>
+              <a:rPr lang="tr-TR" sz="3200" dirty="0">
+                <a:solidFill>
+                  <a:srgbClr val="243041"/>
+                </a:solidFill>
+              </a:rPr>
+              <a:t>Sibelius</a:t>
+            </a:r>
+          </a:p>
+          <a:p>
+            <a:r>
+              <a:rPr lang="tr-TR" sz="3200" dirty="0">
+                <a:solidFill>
+                  <a:srgbClr val="243041"/>
+                </a:solidFill>
+              </a:rPr>
+              <a:t>Flat.io</a:t>
+            </a:r>
+          </a:p>
+          <a:p>
+            <a:r>
+              <a:rPr lang="tr-TR" sz="3200" dirty="0">
+                <a:solidFill>
+                  <a:srgbClr val="243041"/>
+                </a:solidFill>
+              </a:rPr>
+              <a:t>Noteflight</a:t>
+            </a:r>
+          </a:p>
+        </p:txBody>
+      </p:sp>
+      <p:sp>
+        <p:nvSpPr>
+          <p:cNvPr id="6" name="Content Placeholder 2">
+            <a:extLst>
+              <a:ext uri="{FF2B5EF4-FFF2-40B4-BE49-F238E27FC236}">
+                <a16:creationId xmlns:a16="http://schemas.microsoft.com/office/drawing/2014/main" id="{B8055233-E3E4-445F-B8E2-3F21DDE4F8D3}"/>
+              </a:ext>
+            </a:extLst>
+          </p:cNvPr>
+          <p:cNvSpPr txBox="1">
+            <a:spLocks/>
+          </p:cNvSpPr>
+          <p:nvPr/>
+        </p:nvSpPr>
+        <p:spPr>
+          <a:xfrm>
+            <a:off x="781051" y="6207201"/>
+            <a:ext cx="7734299" cy="571346"/>
+          </a:xfrm>
+          <a:prstGeom prst="rect">
+            <a:avLst/>
+          </a:prstGeom>
+        </p:spPr>
+        <p:txBody>
+          <a:bodyPr vert="horz" lIns="91440" tIns="45720" rIns="91440" bIns="45720" rtlCol="0">
+            <a:normAutofit/>
+          </a:bodyPr>
+          <a:lstStyle>
+            <a:lvl1pPr marL="228600" indent="-228600" algn="l" defTabSz="914400" rtl="0" eaLnBrk="1" latinLnBrk="0" hangingPunct="1">
+              <a:lnSpc>
+                <a:spcPct val="90000"/>
+              </a:lnSpc>
+              <a:spcBef>
+                <a:spcPts val="1000"/>
+              </a:spcBef>
+              <a:buFont typeface="Arial" panose="020B0604020202020204" pitchFamily="34" charset="0"/>
+              <a:buChar char="•"/>
+              <a:defRPr sz="2800" kern="1200">
+                <a:solidFill>
+                  <a:schemeClr val="tx1"/>
+                </a:solidFill>
+                <a:latin typeface="+mn-lt"/>
+                <a:ea typeface="+mn-ea"/>
+                <a:cs typeface="+mn-cs"/>
+              </a:defRPr>
+            </a:lvl1pPr>
+            <a:lvl2pPr marL="685800" indent="-228600" algn="l" defTabSz="914400" rtl="0" eaLnBrk="1" latinLnBrk="0" hangingPunct="1">
+              <a:lnSpc>
+                <a:spcPct val="90000"/>
+              </a:lnSpc>
+              <a:spcBef>
+                <a:spcPts val="500"/>
+              </a:spcBef>
+              <a:buFont typeface="Arial" panose="020B0604020202020204" pitchFamily="34" charset="0"/>
+              <a:buChar char="•"/>
+              <a:defRPr sz="2400" kern="1200">
+                <a:solidFill>
+                  <a:schemeClr val="tx1"/>
+                </a:solidFill>
+                <a:latin typeface="+mn-lt"/>
+                <a:ea typeface="+mn-ea"/>
+                <a:cs typeface="+mn-cs"/>
+              </a:defRPr>
+            </a:lvl2pPr>
+            <a:lvl3pPr marL="1143000" indent="-228600" algn="l" defTabSz="914400" rtl="0" eaLnBrk="1" latinLnBrk="0" hangingPunct="1">
+              <a:lnSpc>
+                <a:spcPct val="90000"/>
+              </a:lnSpc>
+              <a:spcBef>
+                <a:spcPts val="500"/>
+              </a:spcBef>
+              <a:buFont typeface="Arial" panose="020B0604020202020204" pitchFamily="34" charset="0"/>
+              <a:buChar char="•"/>
+              <a:defRPr sz="2000" kern="1200">
+                <a:solidFill>
+                  <a:schemeClr val="tx1"/>
+                </a:solidFill>
+                <a:latin typeface="+mn-lt"/>
+                <a:ea typeface="+mn-ea"/>
+                <a:cs typeface="+mn-cs"/>
+              </a:defRPr>
+            </a:lvl3pPr>
+            <a:lvl4pPr marL="1600200" indent="-228600" algn="l" defTabSz="914400" rtl="0" eaLnBrk="1" latinLnBrk="0" hangingPunct="1">
+              <a:lnSpc>
+                <a:spcPct val="90000"/>
+              </a:lnSpc>
+              <a:spcBef>
+                <a:spcPts val="500"/>
+              </a:spcBef>
+              <a:buFont typeface="Arial" panose="020B0604020202020204" pitchFamily="34" charset="0"/>
+              <a:buChar char="•"/>
+              <a:defRPr sz="1800" kern="1200">
+                <a:solidFill>
+                  <a:schemeClr val="tx1"/>
+                </a:solidFill>
+                <a:latin typeface="+mn-lt"/>
+                <a:ea typeface="+mn-ea"/>
+                <a:cs typeface="+mn-cs"/>
+              </a:defRPr>
+            </a:lvl4pPr>
+            <a:lvl5pPr marL="2057400" indent="-228600" algn="l" defTabSz="914400" rtl="0" eaLnBrk="1" latinLnBrk="0" hangingPunct="1">
+              <a:lnSpc>
+                <a:spcPct val="90000"/>
+              </a:lnSpc>
+              <a:spcBef>
+                <a:spcPts val="500"/>
+              </a:spcBef>
+              <a:buFont typeface="Arial" panose="020B0604020202020204" pitchFamily="34" charset="0"/>
+              <a:buChar char="•"/>
+              <a:defRPr sz="1800" kern="1200">
+                <a:solidFill>
+                  <a:schemeClr val="tx1"/>
+                </a:solidFill>
+                <a:latin typeface="+mn-lt"/>
+                <a:ea typeface="+mn-ea"/>
+                <a:cs typeface="+mn-cs"/>
+              </a:defRPr>
+            </a:lvl5pPr>
+            <a:lvl6pPr marL="2514600" indent="-228600" algn="l" defTabSz="914400" rtl="0" eaLnBrk="1" latinLnBrk="0" hangingPunct="1">
+              <a:lnSpc>
+                <a:spcPct val="90000"/>
+              </a:lnSpc>
+              <a:spcBef>
+                <a:spcPts val="500"/>
+              </a:spcBef>
+              <a:buFont typeface="Arial" panose="020B0604020202020204" pitchFamily="34" charset="0"/>
+              <a:buChar char="•"/>
+              <a:defRPr sz="1800" kern="1200">
+                <a:solidFill>
+                  <a:schemeClr val="tx1"/>
+                </a:solidFill>
+                <a:latin typeface="+mn-lt"/>
+                <a:ea typeface="+mn-ea"/>
+                <a:cs typeface="+mn-cs"/>
+              </a:defRPr>
+            </a:lvl6pPr>
+            <a:lvl7pPr marL="2971800" indent="-228600" algn="l" defTabSz="914400" rtl="0" eaLnBrk="1" latinLnBrk="0" hangingPunct="1">
+              <a:lnSpc>
+                <a:spcPct val="90000"/>
+              </a:lnSpc>
+              <a:spcBef>
+                <a:spcPts val="500"/>
+              </a:spcBef>
+              <a:buFont typeface="Arial" panose="020B0604020202020204" pitchFamily="34" charset="0"/>
+              <a:buChar char="•"/>
+              <a:defRPr sz="1800" kern="1200">
+                <a:solidFill>
+                  <a:schemeClr val="tx1"/>
+                </a:solidFill>
+                <a:latin typeface="+mn-lt"/>
+                <a:ea typeface="+mn-ea"/>
+                <a:cs typeface="+mn-cs"/>
+              </a:defRPr>
+            </a:lvl7pPr>
+            <a:lvl8pPr marL="3429000" indent="-228600" algn="l" defTabSz="914400" rtl="0" eaLnBrk="1" latinLnBrk="0" hangingPunct="1">
+              <a:lnSpc>
+                <a:spcPct val="90000"/>
+              </a:lnSpc>
+              <a:spcBef>
+                <a:spcPts val="500"/>
+              </a:spcBef>
+              <a:buFont typeface="Arial" panose="020B0604020202020204" pitchFamily="34" charset="0"/>
+              <a:buChar char="•"/>
+              <a:defRPr sz="1800" kern="1200">
+                <a:solidFill>
+                  <a:schemeClr val="tx1"/>
+                </a:solidFill>
+                <a:latin typeface="+mn-lt"/>
+                <a:ea typeface="+mn-ea"/>
+                <a:cs typeface="+mn-cs"/>
+              </a:defRPr>
+            </a:lvl8pPr>
+            <a:lvl9pPr marL="3886200" indent="-228600" algn="l" defTabSz="914400" rtl="0" eaLnBrk="1" latinLnBrk="0" hangingPunct="1">
+              <a:lnSpc>
+                <a:spcPct val="90000"/>
+              </a:lnSpc>
+              <a:spcBef>
+                <a:spcPts val="500"/>
+              </a:spcBef>
+              <a:buFont typeface="Arial" panose="020B0604020202020204" pitchFamily="34" charset="0"/>
+              <a:buChar char="•"/>
+              <a:defRPr sz="1800" kern="1200">
+                <a:solidFill>
+                  <a:schemeClr val="tx1"/>
+                </a:solidFill>
+                <a:latin typeface="+mn-lt"/>
+                <a:ea typeface="+mn-ea"/>
+                <a:cs typeface="+mn-cs"/>
+              </a:defRPr>
+            </a:lvl9pPr>
+          </a:lstStyle>
+          <a:p>
+            <a:pPr marL="0" indent="0">
+              <a:buFont typeface="Arial" panose="020B0604020202020204" pitchFamily="34" charset="0"/>
+              <a:buNone/>
+            </a:pPr>
+            <a:r>
+              <a:rPr lang="tr-TR" sz="1600" dirty="0">
+                <a:solidFill>
+                  <a:srgbClr val="243041"/>
+                </a:solidFill>
+              </a:rPr>
+              <a:t>[1] Yarman, O. (2010). TÜRK MAKAM MÜZİĞİNİ BİLGİSAYARDA TEMSİL ETMEYE YÖNELİK BAŞLICA YERLİ YAZILIMLAR </a:t>
+            </a:r>
+          </a:p>
+        </p:txBody>
+      </p:sp>
+      <p:sp>
+        <p:nvSpPr>
+          <p:cNvPr id="12" name="Rectangle 11">
+            <a:extLst>
+              <a:ext uri="{FF2B5EF4-FFF2-40B4-BE49-F238E27FC236}">
+                <a16:creationId xmlns:a16="http://schemas.microsoft.com/office/drawing/2014/main" id="{E14DA973-E691-487F-93F3-D3A741982021}"/>
+              </a:ext>
+            </a:extLst>
+          </p:cNvPr>
+          <p:cNvSpPr/>
+          <p:nvPr/>
+        </p:nvSpPr>
+        <p:spPr>
+          <a:xfrm flipH="1">
+            <a:off x="4549136" y="2059619"/>
+            <a:ext cx="45719" cy="3799643"/>
+          </a:xfrm>
+          <a:prstGeom prst="rect">
+            <a:avLst/>
+          </a:prstGeom>
+          <a:gradFill flip="none" rotWithShape="1">
+            <a:gsLst>
+              <a:gs pos="0">
+                <a:schemeClr val="accent3">
+                  <a:lumMod val="89000"/>
+                  <a:alpha val="0"/>
+                </a:schemeClr>
+              </a:gs>
+              <a:gs pos="23000">
+                <a:schemeClr val="accent3">
+                  <a:lumMod val="89000"/>
+                </a:schemeClr>
+              </a:gs>
+              <a:gs pos="69000">
+                <a:schemeClr val="accent3">
+                  <a:lumMod val="75000"/>
+                </a:schemeClr>
+              </a:gs>
+              <a:gs pos="97000">
+                <a:schemeClr val="accent3">
+                  <a:lumMod val="70000"/>
+                  <a:alpha val="0"/>
+                </a:schemeClr>
+              </a:gs>
+            </a:gsLst>
+            <a:lin ang="5400000" scaled="1"/>
+            <a:tileRect/>
+          </a:gradFill>
+          <a:ln>
+            <a:noFill/>
+          </a:ln>
+        </p:spPr>
+        <p:style>
+          <a:lnRef idx="0">
+            <a:scrgbClr r="0" g="0" b="0"/>
+          </a:lnRef>
+          <a:fillRef idx="0">
+            <a:scrgbClr r="0" g="0" b="0"/>
+          </a:fillRef>
+          <a:effectRef idx="0">
+            <a:scrgbClr r="0" g="0" b="0"/>
+          </a:effectRef>
+          <a:fontRef idx="minor">
+            <a:schemeClr val="lt1"/>
+          </a:fontRef>
+        </p:style>
+        <p:txBody>
+          <a:bodyPr rtlCol="0" anchor="ctr"/>
+          <a:lstStyle/>
+          <a:p>
+            <a:pPr algn="ctr"/>
+            <a:endParaRPr lang="tr-TR"/>
           </a:p>
         </p:txBody>
       </p:sp>
@@ -3892,7 +4396,7 @@
                 </a:solidFill>
                 <a:latin typeface="Cambria" panose="02040503050406030204" pitchFamily="18" charset="0"/>
               </a:rPr>
-              <a:t>Nota Yazım Uygulamaları (Yerli)</a:t>
+              <a:t>Grafiksel Arayüz (Demo)</a:t>
             </a:r>
           </a:p>
         </p:txBody>
@@ -3920,74 +4424,32 @@
           </a:bodyPr>
           <a:lstStyle/>
           <a:p>
-            <a:r>
-              <a:rPr lang="tr-TR" dirty="0">
+            <a:pPr marL="0" indent="0">
+              <a:buNone/>
+            </a:pPr>
+            <a:r>
+              <a:rPr lang="tr-TR" sz="3600" dirty="0">
                 <a:solidFill>
                   <a:srgbClr val="243041"/>
                 </a:solidFill>
               </a:rPr>
-              <a:t>Nota [1]</a:t>
-            </a:r>
-          </a:p>
-          <a:p>
-            <a:r>
-              <a:rPr lang="tr-TR" dirty="0">
+              <a:t>http://</a:t>
+            </a:r>
+            <a:r>
+              <a:rPr lang="tr-TR" sz="3600" dirty="0" err="1">
                 <a:solidFill>
                   <a:srgbClr val="243041"/>
                 </a:solidFill>
               </a:rPr>
-              <a:t>Mus2</a:t>
-            </a:r>
-          </a:p>
-          <a:p>
-            <a:endParaRPr lang="tr-TR" dirty="0">
-              <a:solidFill>
-                <a:srgbClr val="243041"/>
-              </a:solidFill>
-            </a:endParaRPr>
-          </a:p>
-          <a:p>
-            <a:endParaRPr lang="tr-TR" dirty="0">
-              <a:solidFill>
-                <a:srgbClr val="243041"/>
-              </a:solidFill>
-            </a:endParaRPr>
-          </a:p>
-          <a:p>
-            <a:endParaRPr lang="tr-TR" dirty="0">
-              <a:solidFill>
-                <a:srgbClr val="243041"/>
-              </a:solidFill>
-            </a:endParaRPr>
-          </a:p>
-          <a:p>
-            <a:endParaRPr lang="tr-TR" dirty="0">
-              <a:solidFill>
-                <a:srgbClr val="243041"/>
-              </a:solidFill>
-            </a:endParaRPr>
-          </a:p>
-          <a:p>
-            <a:pPr marL="0" indent="0">
-              <a:buNone/>
-            </a:pPr>
-            <a:endParaRPr lang="tr-TR" dirty="0">
-              <a:solidFill>
-                <a:srgbClr val="243041"/>
-              </a:solidFill>
-            </a:endParaRPr>
-          </a:p>
-          <a:p>
-            <a:pPr marL="0" indent="0">
-              <a:buNone/>
-            </a:pPr>
-            <a:r>
-              <a:rPr lang="tr-TR" sz="1800" dirty="0">
+              <a:t>music.cs.deu.edu.tr</a:t>
+            </a:r>
+            <a:r>
+              <a:rPr lang="tr-TR" sz="3600" dirty="0">
                 <a:solidFill>
                   <a:srgbClr val="243041"/>
                 </a:solidFill>
               </a:rPr>
-              <a:t>[1] Yarman, O. (2010). TÜRK MAKAM MÜZİĞİNİ BİLGİSAYARDA TEMSİL ETMEYE YÖNELİK BAŞLICA YERLİ YAZILIMLAR </a:t>
+              <a:t>/katip</a:t>
             </a:r>
           </a:p>
         </p:txBody>
@@ -4016,151 +4478,6 @@
             <a:fld id="{0B0A7288-46A4-3940-A53E-A8FC0B879407}" type="slidenum">
               <a:rPr lang="en-TR" smtClean="0"/>
               <a:t>4</a:t>
-            </a:fld>
-            <a:endParaRPr lang="en-TR"/>
-          </a:p>
-        </p:txBody>
-      </p:sp>
-    </p:spTree>
-    <p:extLst>
-      <p:ext uri="{BB962C8B-B14F-4D97-AF65-F5344CB8AC3E}">
-        <p14:creationId xmlns:p14="http://schemas.microsoft.com/office/powerpoint/2010/main" val="3235867203"/>
-      </p:ext>
-    </p:extLst>
-  </p:cSld>
-  <p:clrMapOvr>
-    <a:masterClrMapping/>
-  </p:clrMapOvr>
-</p:sld>
-</file>
-
-<file path=ppt/slides/slide5.xml><?xml version="1.0" encoding="utf-8"?>
-<p:sld xmlns:a="http://schemas.openxmlformats.org/drawingml/2006/main" xmlns:r="http://schemas.openxmlformats.org/officeDocument/2006/relationships" xmlns:p="http://schemas.openxmlformats.org/presentationml/2006/main">
-  <p:cSld>
-    <p:spTree>
-      <p:nvGrpSpPr>
-        <p:cNvPr id="1" name=""/>
-        <p:cNvGrpSpPr/>
-        <p:nvPr/>
-      </p:nvGrpSpPr>
-      <p:grpSpPr>
-        <a:xfrm>
-          <a:off x="0" y="0"/>
-          <a:ext cx="0" cy="0"/>
-          <a:chOff x="0" y="0"/>
-          <a:chExt cx="0" cy="0"/>
-        </a:xfrm>
-      </p:grpSpPr>
-      <p:sp>
-        <p:nvSpPr>
-          <p:cNvPr id="2" name="Title 1">
-            <a:extLst>
-              <a:ext uri="{FF2B5EF4-FFF2-40B4-BE49-F238E27FC236}">
-                <a16:creationId xmlns:a16="http://schemas.microsoft.com/office/drawing/2014/main" id="{D1B1EED6-F70F-2C42-982B-7304BE48B48E}"/>
-              </a:ext>
-            </a:extLst>
-          </p:cNvPr>
-          <p:cNvSpPr>
-            <a:spLocks noGrp="1"/>
-          </p:cNvSpPr>
-          <p:nvPr>
-            <p:ph type="title"/>
-          </p:nvPr>
-        </p:nvSpPr>
-        <p:spPr/>
-        <p:txBody>
-          <a:bodyPr/>
-          <a:lstStyle/>
-          <a:p>
-            <a:r>
-              <a:rPr lang="tr-TR" dirty="0">
-                <a:solidFill>
-                  <a:srgbClr val="243041"/>
-                </a:solidFill>
-                <a:latin typeface="Cambria" panose="02040503050406030204" pitchFamily="18" charset="0"/>
-              </a:rPr>
-              <a:t>Grafiksel Arayüz (Demo)</a:t>
-            </a:r>
-          </a:p>
-        </p:txBody>
-      </p:sp>
-      <p:sp>
-        <p:nvSpPr>
-          <p:cNvPr id="3" name="Content Placeholder 2">
-            <a:extLst>
-              <a:ext uri="{FF2B5EF4-FFF2-40B4-BE49-F238E27FC236}">
-                <a16:creationId xmlns:a16="http://schemas.microsoft.com/office/drawing/2014/main" id="{4E958FD7-5D47-F247-A470-4E94A4F14BAB}"/>
-              </a:ext>
-            </a:extLst>
-          </p:cNvPr>
-          <p:cNvSpPr>
-            <a:spLocks noGrp="1"/>
-          </p:cNvSpPr>
-          <p:nvPr>
-            <p:ph idx="1"/>
-          </p:nvPr>
-        </p:nvSpPr>
-        <p:spPr/>
-        <p:txBody>
-          <a:bodyPr>
-            <a:normAutofit/>
-          </a:bodyPr>
-          <a:lstStyle/>
-          <a:p>
-            <a:pPr marL="0" indent="0">
-              <a:buNone/>
-            </a:pPr>
-            <a:r>
-              <a:rPr lang="tr-TR" sz="3600" dirty="0">
-                <a:solidFill>
-                  <a:srgbClr val="243041"/>
-                </a:solidFill>
-              </a:rPr>
-              <a:t>http://</a:t>
-            </a:r>
-            <a:r>
-              <a:rPr lang="tr-TR" sz="3600" dirty="0" err="1">
-                <a:solidFill>
-                  <a:srgbClr val="243041"/>
-                </a:solidFill>
-              </a:rPr>
-              <a:t>music.cs.deu.edu.tr</a:t>
-            </a:r>
-            <a:r>
-              <a:rPr lang="tr-TR" sz="3600" dirty="0">
-                <a:solidFill>
-                  <a:srgbClr val="243041"/>
-                </a:solidFill>
-              </a:rPr>
-              <a:t>/katip</a:t>
-            </a:r>
-          </a:p>
-        </p:txBody>
-      </p:sp>
-      <p:sp>
-        <p:nvSpPr>
-          <p:cNvPr id="4" name="Slide Number Placeholder 3">
-            <a:extLst>
-              <a:ext uri="{FF2B5EF4-FFF2-40B4-BE49-F238E27FC236}">
-                <a16:creationId xmlns:a16="http://schemas.microsoft.com/office/drawing/2014/main" id="{21960B8E-F2EC-0C45-8C3C-47B7B748920B}"/>
-              </a:ext>
-            </a:extLst>
-          </p:cNvPr>
-          <p:cNvSpPr>
-            <a:spLocks noGrp="1"/>
-          </p:cNvSpPr>
-          <p:nvPr>
-            <p:ph type="sldNum" sz="quarter" idx="12"/>
-          </p:nvPr>
-        </p:nvSpPr>
-        <p:spPr/>
-        <p:txBody>
-          <a:bodyPr/>
-          <a:lstStyle/>
-          <a:p>
-            <a:fld id="{0B0A7288-46A4-3940-A53E-A8FC0B879407}" type="slidenum">
-              <a:rPr lang="en-TR" smtClean="0"/>
-              <a:t>5</a:t>
             </a:fld>
             <a:endParaRPr lang="en-TR"/>
           </a:p>

--- a/assets/Katip.pptx
+++ b/assets/Katip.pptx
@@ -5,13 +5,16 @@
     <p:sldMasterId id="2147483660" r:id="rId1"/>
   </p:sldMasterIdLst>
   <p:notesMasterIdLst>
-    <p:notesMasterId r:id="rId6"/>
+    <p:notesMasterId r:id="rId9"/>
   </p:notesMasterIdLst>
   <p:sldIdLst>
     <p:sldId id="259" r:id="rId2"/>
-    <p:sldId id="257" r:id="rId3"/>
-    <p:sldId id="261" r:id="rId4"/>
+    <p:sldId id="261" r:id="rId3"/>
+    <p:sldId id="267" r:id="rId4"/>
     <p:sldId id="265" r:id="rId5"/>
+    <p:sldId id="266" r:id="rId6"/>
+    <p:sldId id="268" r:id="rId7"/>
+    <p:sldId id="269" r:id="rId8"/>
   </p:sldIdLst>
   <p:sldSz cx="9144000" cy="6858000" type="screen4x3"/>
   <p:notesSz cx="6858000" cy="9144000"/>
@@ -167,7 +170,7 @@
             </a:lvl1pPr>
           </a:lstStyle>
           <a:p>
-            <a:endParaRPr lang="tr-TR" dirty="0"/>
+            <a:endParaRPr lang="tr-TR"/>
           </a:p>
         </p:txBody>
       </p:sp>
@@ -200,9 +203,9 @@
           <a:p>
             <a:fld id="{BA8D1F55-E99F-5045-8C53-3D21CEBDAA6D}" type="datetimeFigureOut">
               <a:rPr lang="tr-TR" smtClean="0"/>
-              <a:t>17.05.2021</a:t>
+              <a:t>21.05.2021</a:t>
             </a:fld>
-            <a:endParaRPr lang="tr-TR" dirty="0"/>
+            <a:endParaRPr lang="tr-TR"/>
           </a:p>
         </p:txBody>
       </p:sp>
@@ -235,7 +238,7 @@
           <a:bodyPr vert="horz" lIns="91440" tIns="45720" rIns="91440" bIns="45720" rtlCol="0" anchor="ctr"/>
           <a:lstStyle/>
           <a:p>
-            <a:endParaRPr lang="tr-TR" dirty="0"/>
+            <a:endParaRPr lang="tr-TR"/>
           </a:p>
         </p:txBody>
       </p:sp>
@@ -326,7 +329,7 @@
             </a:lvl1pPr>
           </a:lstStyle>
           <a:p>
-            <a:endParaRPr lang="tr-TR" dirty="0"/>
+            <a:endParaRPr lang="tr-TR"/>
           </a:p>
         </p:txBody>
       </p:sp>
@@ -361,7 +364,7 @@
               <a:rPr lang="tr-TR" smtClean="0"/>
               <a:t>‹#›</a:t>
             </a:fld>
-            <a:endParaRPr lang="tr-TR" dirty="0"/>
+            <a:endParaRPr lang="tr-TR"/>
           </a:p>
         </p:txBody>
       </p:sp>
@@ -599,7 +602,7 @@
           <a:p>
             <a:fld id="{36D0695C-02F7-9E48-99F1-CA76EC165F5F}" type="datetime1">
               <a:rPr lang="tr-TR" smtClean="0"/>
-              <a:t>17.05.2021</a:t>
+              <a:t>21.05.2021</a:t>
             </a:fld>
             <a:endParaRPr lang="en-TR"/>
           </a:p>
@@ -769,7 +772,7 @@
           <a:p>
             <a:fld id="{07669073-FE43-284E-877E-F9D0B9FECE40}" type="datetime1">
               <a:rPr lang="tr-TR" smtClean="0"/>
-              <a:t>17.05.2021</a:t>
+              <a:t>21.05.2021</a:t>
             </a:fld>
             <a:endParaRPr lang="en-TR"/>
           </a:p>
@@ -949,7 +952,7 @@
           <a:p>
             <a:fld id="{93417FB8-E891-1145-9AF2-F81283B1CC0B}" type="datetime1">
               <a:rPr lang="tr-TR" smtClean="0"/>
-              <a:t>17.05.2021</a:t>
+              <a:t>21.05.2021</a:t>
             </a:fld>
             <a:endParaRPr lang="en-TR"/>
           </a:p>
@@ -1119,7 +1122,7 @@
           <a:p>
             <a:fld id="{7BB4C77B-42F8-394E-B013-479195A17602}" type="datetime1">
               <a:rPr lang="tr-TR" smtClean="0"/>
-              <a:t>17.05.2021</a:t>
+              <a:t>21.05.2021</a:t>
             </a:fld>
             <a:endParaRPr lang="en-TR"/>
           </a:p>
@@ -1363,7 +1366,7 @@
           <a:p>
             <a:fld id="{F35B99F1-B0D2-B54F-A547-A51617C4E854}" type="datetime1">
               <a:rPr lang="tr-TR" smtClean="0"/>
-              <a:t>17.05.2021</a:t>
+              <a:t>21.05.2021</a:t>
             </a:fld>
             <a:endParaRPr lang="en-TR"/>
           </a:p>
@@ -1595,7 +1598,7 @@
           <a:p>
             <a:fld id="{E2F121C7-DD52-C240-90E9-DF6893BE1BE2}" type="datetime1">
               <a:rPr lang="tr-TR" smtClean="0"/>
-              <a:t>17.05.2021</a:t>
+              <a:t>21.05.2021</a:t>
             </a:fld>
             <a:endParaRPr lang="en-TR"/>
           </a:p>
@@ -1962,7 +1965,7 @@
           <a:p>
             <a:fld id="{53929604-B735-B94D-B9DF-70C67D50649B}" type="datetime1">
               <a:rPr lang="tr-TR" smtClean="0"/>
-              <a:t>17.05.2021</a:t>
+              <a:t>21.05.2021</a:t>
             </a:fld>
             <a:endParaRPr lang="en-TR"/>
           </a:p>
@@ -2080,7 +2083,7 @@
           <a:p>
             <a:fld id="{AA3D4FE0-3B02-DA46-B96A-05866655B09D}" type="datetime1">
               <a:rPr lang="tr-TR" smtClean="0"/>
-              <a:t>17.05.2021</a:t>
+              <a:t>21.05.2021</a:t>
             </a:fld>
             <a:endParaRPr lang="en-TR"/>
           </a:p>
@@ -2175,7 +2178,7 @@
           <a:p>
             <a:fld id="{902B0211-A2D5-4347-B767-098CAB92A78F}" type="datetime1">
               <a:rPr lang="tr-TR" smtClean="0"/>
-              <a:t>17.05.2021</a:t>
+              <a:t>21.05.2021</a:t>
             </a:fld>
             <a:endParaRPr lang="en-TR"/>
           </a:p>
@@ -2452,7 +2455,7 @@
           <a:p>
             <a:fld id="{F3B2B4EE-0540-454A-82D3-2681F7435D3F}" type="datetime1">
               <a:rPr lang="tr-TR" smtClean="0"/>
-              <a:t>17.05.2021</a:t>
+              <a:t>21.05.2021</a:t>
             </a:fld>
             <a:endParaRPr lang="en-TR"/>
           </a:p>
@@ -2620,7 +2623,7 @@
           </a:lstStyle>
           <a:p>
             <a:r>
-              <a:rPr lang="en-US" dirty="0"/>
+              <a:rPr lang="en-US"/>
               <a:t>Click icon to add picture</a:t>
             </a:r>
           </a:p>
@@ -2708,7 +2711,7 @@
           <a:p>
             <a:fld id="{D7CF92EB-5677-1144-9B83-595F8BFAD415}" type="datetime1">
               <a:rPr lang="tr-TR" smtClean="0"/>
-              <a:t>17.05.2021</a:t>
+              <a:t>21.05.2021</a:t>
             </a:fld>
             <a:endParaRPr lang="en-TR"/>
           </a:p>
@@ -2938,7 +2941,7 @@
           <a:p>
             <a:fld id="{F2372F51-7A8B-B948-B55B-93554365BB4D}" type="datetime1">
               <a:rPr lang="tr-TR" smtClean="0"/>
-              <a:t>17.05.2021</a:t>
+              <a:t>21.05.2021</a:t>
             </a:fld>
             <a:endParaRPr lang="en-TR"/>
           </a:p>
@@ -3563,13 +3566,13 @@
           <a:lstStyle/>
           <a:p>
             <a:r>
-              <a:rPr lang="tr-TR" dirty="0">
+              <a:rPr lang="tr-TR">
                 <a:solidFill>
                   <a:srgbClr val="243041"/>
                 </a:solidFill>
                 <a:latin typeface="Cambria" panose="02040503050406030204" pitchFamily="18" charset="0"/>
               </a:rPr>
-              <a:t>İçerik</a:t>
+              <a:t>Nota Yazım Uygulamaları</a:t>
             </a:r>
           </a:p>
         </p:txBody>
@@ -3590,30 +3593,48 @@
             <p:ph idx="1"/>
           </p:nvPr>
         </p:nvSpPr>
-        <p:spPr/>
+        <p:spPr>
+          <a:xfrm>
+            <a:off x="5147627" y="2105555"/>
+            <a:ext cx="1863956" cy="3978892"/>
+          </a:xfrm>
+        </p:spPr>
         <p:txBody>
           <a:bodyPr>
             <a:normAutofit/>
           </a:bodyPr>
           <a:lstStyle/>
           <a:p>
-            <a:r>
-              <a:rPr lang="tr-TR" sz="3600" dirty="0">
+            <a:pPr marL="0" indent="0">
+              <a:buNone/>
+            </a:pPr>
+            <a:r>
+              <a:rPr lang="tr-TR" sz="3600" b="1" dirty="0">
                 <a:solidFill>
                   <a:srgbClr val="243041"/>
                 </a:solidFill>
               </a:rPr>
-              <a:t>Uygulamalar</a:t>
-            </a:r>
-          </a:p>
-          <a:p>
-            <a:r>
-              <a:rPr lang="tr-TR" sz="3600" dirty="0">
+              <a:t>Yerli</a:t>
+            </a:r>
+          </a:p>
+          <a:p>
+            <a:r>
+              <a:rPr lang="tr-TR" sz="3200" dirty="0">
                 <a:solidFill>
                   <a:srgbClr val="243041"/>
                 </a:solidFill>
               </a:rPr>
-              <a:t>Demo</a:t>
+              <a:t>Nota [1]</a:t>
+            </a:r>
+          </a:p>
+          <a:p>
+            <a:r>
+              <a:rPr lang="tr-TR" sz="3200" dirty="0">
+                <a:solidFill>
+                  <a:srgbClr val="243041"/>
+                </a:solidFill>
+              </a:rPr>
+              <a:t>Mus2</a:t>
             </a:r>
           </a:p>
         </p:txBody>
@@ -3647,10 +3668,519 @@
           </a:p>
         </p:txBody>
       </p:sp>
+      <p:sp>
+        <p:nvSpPr>
+          <p:cNvPr id="5" name="Content Placeholder 2">
+            <a:extLst>
+              <a:ext uri="{FF2B5EF4-FFF2-40B4-BE49-F238E27FC236}">
+                <a16:creationId xmlns:a16="http://schemas.microsoft.com/office/drawing/2014/main" id="{09B58434-C7BF-4D66-B7AA-C194E595AD35}"/>
+              </a:ext>
+            </a:extLst>
+          </p:cNvPr>
+          <p:cNvSpPr txBox="1">
+            <a:spLocks/>
+          </p:cNvSpPr>
+          <p:nvPr/>
+        </p:nvSpPr>
+        <p:spPr>
+          <a:xfrm>
+            <a:off x="781051" y="2105555"/>
+            <a:ext cx="2702737" cy="3978892"/>
+          </a:xfrm>
+          <a:prstGeom prst="rect">
+            <a:avLst/>
+          </a:prstGeom>
+        </p:spPr>
+        <p:txBody>
+          <a:bodyPr vert="horz" lIns="91440" tIns="45720" rIns="91440" bIns="45720" rtlCol="0">
+            <a:normAutofit lnSpcReduction="10000"/>
+          </a:bodyPr>
+          <a:lstStyle>
+            <a:lvl1pPr marL="228600" indent="-228600" algn="l" defTabSz="914400" rtl="0" eaLnBrk="1" latinLnBrk="0" hangingPunct="1">
+              <a:lnSpc>
+                <a:spcPct val="90000"/>
+              </a:lnSpc>
+              <a:spcBef>
+                <a:spcPts val="1000"/>
+              </a:spcBef>
+              <a:buFont typeface="Arial" panose="020B0604020202020204" pitchFamily="34" charset="0"/>
+              <a:buChar char="•"/>
+              <a:defRPr sz="2800" kern="1200">
+                <a:solidFill>
+                  <a:schemeClr val="tx1"/>
+                </a:solidFill>
+                <a:latin typeface="+mn-lt"/>
+                <a:ea typeface="+mn-ea"/>
+                <a:cs typeface="+mn-cs"/>
+              </a:defRPr>
+            </a:lvl1pPr>
+            <a:lvl2pPr marL="685800" indent="-228600" algn="l" defTabSz="914400" rtl="0" eaLnBrk="1" latinLnBrk="0" hangingPunct="1">
+              <a:lnSpc>
+                <a:spcPct val="90000"/>
+              </a:lnSpc>
+              <a:spcBef>
+                <a:spcPts val="500"/>
+              </a:spcBef>
+              <a:buFont typeface="Arial" panose="020B0604020202020204" pitchFamily="34" charset="0"/>
+              <a:buChar char="•"/>
+              <a:defRPr sz="2400" kern="1200">
+                <a:solidFill>
+                  <a:schemeClr val="tx1"/>
+                </a:solidFill>
+                <a:latin typeface="+mn-lt"/>
+                <a:ea typeface="+mn-ea"/>
+                <a:cs typeface="+mn-cs"/>
+              </a:defRPr>
+            </a:lvl2pPr>
+            <a:lvl3pPr marL="1143000" indent="-228600" algn="l" defTabSz="914400" rtl="0" eaLnBrk="1" latinLnBrk="0" hangingPunct="1">
+              <a:lnSpc>
+                <a:spcPct val="90000"/>
+              </a:lnSpc>
+              <a:spcBef>
+                <a:spcPts val="500"/>
+              </a:spcBef>
+              <a:buFont typeface="Arial" panose="020B0604020202020204" pitchFamily="34" charset="0"/>
+              <a:buChar char="•"/>
+              <a:defRPr sz="2000" kern="1200">
+                <a:solidFill>
+                  <a:schemeClr val="tx1"/>
+                </a:solidFill>
+                <a:latin typeface="+mn-lt"/>
+                <a:ea typeface="+mn-ea"/>
+                <a:cs typeface="+mn-cs"/>
+              </a:defRPr>
+            </a:lvl3pPr>
+            <a:lvl4pPr marL="1600200" indent="-228600" algn="l" defTabSz="914400" rtl="0" eaLnBrk="1" latinLnBrk="0" hangingPunct="1">
+              <a:lnSpc>
+                <a:spcPct val="90000"/>
+              </a:lnSpc>
+              <a:spcBef>
+                <a:spcPts val="500"/>
+              </a:spcBef>
+              <a:buFont typeface="Arial" panose="020B0604020202020204" pitchFamily="34" charset="0"/>
+              <a:buChar char="•"/>
+              <a:defRPr sz="1800" kern="1200">
+                <a:solidFill>
+                  <a:schemeClr val="tx1"/>
+                </a:solidFill>
+                <a:latin typeface="+mn-lt"/>
+                <a:ea typeface="+mn-ea"/>
+                <a:cs typeface="+mn-cs"/>
+              </a:defRPr>
+            </a:lvl4pPr>
+            <a:lvl5pPr marL="2057400" indent="-228600" algn="l" defTabSz="914400" rtl="0" eaLnBrk="1" latinLnBrk="0" hangingPunct="1">
+              <a:lnSpc>
+                <a:spcPct val="90000"/>
+              </a:lnSpc>
+              <a:spcBef>
+                <a:spcPts val="500"/>
+              </a:spcBef>
+              <a:buFont typeface="Arial" panose="020B0604020202020204" pitchFamily="34" charset="0"/>
+              <a:buChar char="•"/>
+              <a:defRPr sz="1800" kern="1200">
+                <a:solidFill>
+                  <a:schemeClr val="tx1"/>
+                </a:solidFill>
+                <a:latin typeface="+mn-lt"/>
+                <a:ea typeface="+mn-ea"/>
+                <a:cs typeface="+mn-cs"/>
+              </a:defRPr>
+            </a:lvl5pPr>
+            <a:lvl6pPr marL="2514600" indent="-228600" algn="l" defTabSz="914400" rtl="0" eaLnBrk="1" latinLnBrk="0" hangingPunct="1">
+              <a:lnSpc>
+                <a:spcPct val="90000"/>
+              </a:lnSpc>
+              <a:spcBef>
+                <a:spcPts val="500"/>
+              </a:spcBef>
+              <a:buFont typeface="Arial" panose="020B0604020202020204" pitchFamily="34" charset="0"/>
+              <a:buChar char="•"/>
+              <a:defRPr sz="1800" kern="1200">
+                <a:solidFill>
+                  <a:schemeClr val="tx1"/>
+                </a:solidFill>
+                <a:latin typeface="+mn-lt"/>
+                <a:ea typeface="+mn-ea"/>
+                <a:cs typeface="+mn-cs"/>
+              </a:defRPr>
+            </a:lvl6pPr>
+            <a:lvl7pPr marL="2971800" indent="-228600" algn="l" defTabSz="914400" rtl="0" eaLnBrk="1" latinLnBrk="0" hangingPunct="1">
+              <a:lnSpc>
+                <a:spcPct val="90000"/>
+              </a:lnSpc>
+              <a:spcBef>
+                <a:spcPts val="500"/>
+              </a:spcBef>
+              <a:buFont typeface="Arial" panose="020B0604020202020204" pitchFamily="34" charset="0"/>
+              <a:buChar char="•"/>
+              <a:defRPr sz="1800" kern="1200">
+                <a:solidFill>
+                  <a:schemeClr val="tx1"/>
+                </a:solidFill>
+                <a:latin typeface="+mn-lt"/>
+                <a:ea typeface="+mn-ea"/>
+                <a:cs typeface="+mn-cs"/>
+              </a:defRPr>
+            </a:lvl7pPr>
+            <a:lvl8pPr marL="3429000" indent="-228600" algn="l" defTabSz="914400" rtl="0" eaLnBrk="1" latinLnBrk="0" hangingPunct="1">
+              <a:lnSpc>
+                <a:spcPct val="90000"/>
+              </a:lnSpc>
+              <a:spcBef>
+                <a:spcPts val="500"/>
+              </a:spcBef>
+              <a:buFont typeface="Arial" panose="020B0604020202020204" pitchFamily="34" charset="0"/>
+              <a:buChar char="•"/>
+              <a:defRPr sz="1800" kern="1200">
+                <a:solidFill>
+                  <a:schemeClr val="tx1"/>
+                </a:solidFill>
+                <a:latin typeface="+mn-lt"/>
+                <a:ea typeface="+mn-ea"/>
+                <a:cs typeface="+mn-cs"/>
+              </a:defRPr>
+            </a:lvl8pPr>
+            <a:lvl9pPr marL="3886200" indent="-228600" algn="l" defTabSz="914400" rtl="0" eaLnBrk="1" latinLnBrk="0" hangingPunct="1">
+              <a:lnSpc>
+                <a:spcPct val="90000"/>
+              </a:lnSpc>
+              <a:spcBef>
+                <a:spcPts val="500"/>
+              </a:spcBef>
+              <a:buFont typeface="Arial" panose="020B0604020202020204" pitchFamily="34" charset="0"/>
+              <a:buChar char="•"/>
+              <a:defRPr sz="1800" kern="1200">
+                <a:solidFill>
+                  <a:schemeClr val="tx1"/>
+                </a:solidFill>
+                <a:latin typeface="+mn-lt"/>
+                <a:ea typeface="+mn-ea"/>
+                <a:cs typeface="+mn-cs"/>
+              </a:defRPr>
+            </a:lvl9pPr>
+          </a:lstStyle>
+          <a:p>
+            <a:pPr marL="0" indent="0">
+              <a:buNone/>
+            </a:pPr>
+            <a:r>
+              <a:rPr lang="tr-TR" sz="3600" b="1" dirty="0">
+                <a:solidFill>
+                  <a:srgbClr val="243041"/>
+                </a:solidFill>
+              </a:rPr>
+              <a:t>Yabancı</a:t>
+            </a:r>
+          </a:p>
+          <a:p>
+            <a:r>
+              <a:rPr lang="en-US" sz="3200" dirty="0">
+                <a:solidFill>
+                  <a:srgbClr val="243041"/>
+                </a:solidFill>
+              </a:rPr>
+              <a:t>Cubase Score</a:t>
+            </a:r>
+          </a:p>
+          <a:p>
+            <a:r>
+              <a:rPr lang="en-US" sz="3200" dirty="0">
+                <a:solidFill>
+                  <a:srgbClr val="243041"/>
+                </a:solidFill>
+              </a:rPr>
+              <a:t>Finale </a:t>
+            </a:r>
+          </a:p>
+          <a:p>
+            <a:r>
+              <a:rPr lang="en-US" sz="3200" dirty="0">
+                <a:solidFill>
+                  <a:srgbClr val="243041"/>
+                </a:solidFill>
+              </a:rPr>
+              <a:t>MuseScore</a:t>
+            </a:r>
+          </a:p>
+          <a:p>
+            <a:r>
+              <a:rPr lang="en-US" sz="3200" dirty="0">
+                <a:solidFill>
+                  <a:srgbClr val="243041"/>
+                </a:solidFill>
+              </a:rPr>
+              <a:t>Sibelius</a:t>
+            </a:r>
+          </a:p>
+          <a:p>
+            <a:r>
+              <a:rPr lang="en-US" sz="3200" dirty="0">
+                <a:solidFill>
+                  <a:srgbClr val="243041"/>
+                </a:solidFill>
+              </a:rPr>
+              <a:t>Flat.io</a:t>
+            </a:r>
+          </a:p>
+          <a:p>
+            <a:r>
+              <a:rPr lang="en-US" sz="3200" dirty="0">
+                <a:solidFill>
+                  <a:srgbClr val="243041"/>
+                </a:solidFill>
+              </a:rPr>
+              <a:t>Noteflight</a:t>
+            </a:r>
+          </a:p>
+        </p:txBody>
+      </p:sp>
+      <p:sp>
+        <p:nvSpPr>
+          <p:cNvPr id="6" name="Content Placeholder 2">
+            <a:extLst>
+              <a:ext uri="{FF2B5EF4-FFF2-40B4-BE49-F238E27FC236}">
+                <a16:creationId xmlns:a16="http://schemas.microsoft.com/office/drawing/2014/main" id="{B8055233-E3E4-445F-B8E2-3F21DDE4F8D3}"/>
+              </a:ext>
+            </a:extLst>
+          </p:cNvPr>
+          <p:cNvSpPr txBox="1">
+            <a:spLocks/>
+          </p:cNvSpPr>
+          <p:nvPr/>
+        </p:nvSpPr>
+        <p:spPr>
+          <a:xfrm>
+            <a:off x="781051" y="6207201"/>
+            <a:ext cx="7734299" cy="571346"/>
+          </a:xfrm>
+          <a:prstGeom prst="rect">
+            <a:avLst/>
+          </a:prstGeom>
+        </p:spPr>
+        <p:txBody>
+          <a:bodyPr vert="horz" lIns="91440" tIns="45720" rIns="91440" bIns="45720" rtlCol="0">
+            <a:normAutofit/>
+          </a:bodyPr>
+          <a:lstStyle>
+            <a:lvl1pPr marL="228600" indent="-228600" algn="l" defTabSz="914400" rtl="0" eaLnBrk="1" latinLnBrk="0" hangingPunct="1">
+              <a:lnSpc>
+                <a:spcPct val="90000"/>
+              </a:lnSpc>
+              <a:spcBef>
+                <a:spcPts val="1000"/>
+              </a:spcBef>
+              <a:buFont typeface="Arial" panose="020B0604020202020204" pitchFamily="34" charset="0"/>
+              <a:buChar char="•"/>
+              <a:defRPr sz="2800" kern="1200">
+                <a:solidFill>
+                  <a:schemeClr val="tx1"/>
+                </a:solidFill>
+                <a:latin typeface="+mn-lt"/>
+                <a:ea typeface="+mn-ea"/>
+                <a:cs typeface="+mn-cs"/>
+              </a:defRPr>
+            </a:lvl1pPr>
+            <a:lvl2pPr marL="685800" indent="-228600" algn="l" defTabSz="914400" rtl="0" eaLnBrk="1" latinLnBrk="0" hangingPunct="1">
+              <a:lnSpc>
+                <a:spcPct val="90000"/>
+              </a:lnSpc>
+              <a:spcBef>
+                <a:spcPts val="500"/>
+              </a:spcBef>
+              <a:buFont typeface="Arial" panose="020B0604020202020204" pitchFamily="34" charset="0"/>
+              <a:buChar char="•"/>
+              <a:defRPr sz="2400" kern="1200">
+                <a:solidFill>
+                  <a:schemeClr val="tx1"/>
+                </a:solidFill>
+                <a:latin typeface="+mn-lt"/>
+                <a:ea typeface="+mn-ea"/>
+                <a:cs typeface="+mn-cs"/>
+              </a:defRPr>
+            </a:lvl2pPr>
+            <a:lvl3pPr marL="1143000" indent="-228600" algn="l" defTabSz="914400" rtl="0" eaLnBrk="1" latinLnBrk="0" hangingPunct="1">
+              <a:lnSpc>
+                <a:spcPct val="90000"/>
+              </a:lnSpc>
+              <a:spcBef>
+                <a:spcPts val="500"/>
+              </a:spcBef>
+              <a:buFont typeface="Arial" panose="020B0604020202020204" pitchFamily="34" charset="0"/>
+              <a:buChar char="•"/>
+              <a:defRPr sz="2000" kern="1200">
+                <a:solidFill>
+                  <a:schemeClr val="tx1"/>
+                </a:solidFill>
+                <a:latin typeface="+mn-lt"/>
+                <a:ea typeface="+mn-ea"/>
+                <a:cs typeface="+mn-cs"/>
+              </a:defRPr>
+            </a:lvl3pPr>
+            <a:lvl4pPr marL="1600200" indent="-228600" algn="l" defTabSz="914400" rtl="0" eaLnBrk="1" latinLnBrk="0" hangingPunct="1">
+              <a:lnSpc>
+                <a:spcPct val="90000"/>
+              </a:lnSpc>
+              <a:spcBef>
+                <a:spcPts val="500"/>
+              </a:spcBef>
+              <a:buFont typeface="Arial" panose="020B0604020202020204" pitchFamily="34" charset="0"/>
+              <a:buChar char="•"/>
+              <a:defRPr sz="1800" kern="1200">
+                <a:solidFill>
+                  <a:schemeClr val="tx1"/>
+                </a:solidFill>
+                <a:latin typeface="+mn-lt"/>
+                <a:ea typeface="+mn-ea"/>
+                <a:cs typeface="+mn-cs"/>
+              </a:defRPr>
+            </a:lvl4pPr>
+            <a:lvl5pPr marL="2057400" indent="-228600" algn="l" defTabSz="914400" rtl="0" eaLnBrk="1" latinLnBrk="0" hangingPunct="1">
+              <a:lnSpc>
+                <a:spcPct val="90000"/>
+              </a:lnSpc>
+              <a:spcBef>
+                <a:spcPts val="500"/>
+              </a:spcBef>
+              <a:buFont typeface="Arial" panose="020B0604020202020204" pitchFamily="34" charset="0"/>
+              <a:buChar char="•"/>
+              <a:defRPr sz="1800" kern="1200">
+                <a:solidFill>
+                  <a:schemeClr val="tx1"/>
+                </a:solidFill>
+                <a:latin typeface="+mn-lt"/>
+                <a:ea typeface="+mn-ea"/>
+                <a:cs typeface="+mn-cs"/>
+              </a:defRPr>
+            </a:lvl5pPr>
+            <a:lvl6pPr marL="2514600" indent="-228600" algn="l" defTabSz="914400" rtl="0" eaLnBrk="1" latinLnBrk="0" hangingPunct="1">
+              <a:lnSpc>
+                <a:spcPct val="90000"/>
+              </a:lnSpc>
+              <a:spcBef>
+                <a:spcPts val="500"/>
+              </a:spcBef>
+              <a:buFont typeface="Arial" panose="020B0604020202020204" pitchFamily="34" charset="0"/>
+              <a:buChar char="•"/>
+              <a:defRPr sz="1800" kern="1200">
+                <a:solidFill>
+                  <a:schemeClr val="tx1"/>
+                </a:solidFill>
+                <a:latin typeface="+mn-lt"/>
+                <a:ea typeface="+mn-ea"/>
+                <a:cs typeface="+mn-cs"/>
+              </a:defRPr>
+            </a:lvl6pPr>
+            <a:lvl7pPr marL="2971800" indent="-228600" algn="l" defTabSz="914400" rtl="0" eaLnBrk="1" latinLnBrk="0" hangingPunct="1">
+              <a:lnSpc>
+                <a:spcPct val="90000"/>
+              </a:lnSpc>
+              <a:spcBef>
+                <a:spcPts val="500"/>
+              </a:spcBef>
+              <a:buFont typeface="Arial" panose="020B0604020202020204" pitchFamily="34" charset="0"/>
+              <a:buChar char="•"/>
+              <a:defRPr sz="1800" kern="1200">
+                <a:solidFill>
+                  <a:schemeClr val="tx1"/>
+                </a:solidFill>
+                <a:latin typeface="+mn-lt"/>
+                <a:ea typeface="+mn-ea"/>
+                <a:cs typeface="+mn-cs"/>
+              </a:defRPr>
+            </a:lvl7pPr>
+            <a:lvl8pPr marL="3429000" indent="-228600" algn="l" defTabSz="914400" rtl="0" eaLnBrk="1" latinLnBrk="0" hangingPunct="1">
+              <a:lnSpc>
+                <a:spcPct val="90000"/>
+              </a:lnSpc>
+              <a:spcBef>
+                <a:spcPts val="500"/>
+              </a:spcBef>
+              <a:buFont typeface="Arial" panose="020B0604020202020204" pitchFamily="34" charset="0"/>
+              <a:buChar char="•"/>
+              <a:defRPr sz="1800" kern="1200">
+                <a:solidFill>
+                  <a:schemeClr val="tx1"/>
+                </a:solidFill>
+                <a:latin typeface="+mn-lt"/>
+                <a:ea typeface="+mn-ea"/>
+                <a:cs typeface="+mn-cs"/>
+              </a:defRPr>
+            </a:lvl8pPr>
+            <a:lvl9pPr marL="3886200" indent="-228600" algn="l" defTabSz="914400" rtl="0" eaLnBrk="1" latinLnBrk="0" hangingPunct="1">
+              <a:lnSpc>
+                <a:spcPct val="90000"/>
+              </a:lnSpc>
+              <a:spcBef>
+                <a:spcPts val="500"/>
+              </a:spcBef>
+              <a:buFont typeface="Arial" panose="020B0604020202020204" pitchFamily="34" charset="0"/>
+              <a:buChar char="•"/>
+              <a:defRPr sz="1800" kern="1200">
+                <a:solidFill>
+                  <a:schemeClr val="tx1"/>
+                </a:solidFill>
+                <a:latin typeface="+mn-lt"/>
+                <a:ea typeface="+mn-ea"/>
+                <a:cs typeface="+mn-cs"/>
+              </a:defRPr>
+            </a:lvl9pPr>
+          </a:lstStyle>
+          <a:p>
+            <a:pPr marL="0" indent="0">
+              <a:buFont typeface="Arial" panose="020B0604020202020204" pitchFamily="34" charset="0"/>
+              <a:buNone/>
+            </a:pPr>
+            <a:r>
+              <a:rPr lang="tr-TR" sz="1600">
+                <a:solidFill>
+                  <a:srgbClr val="243041"/>
+                </a:solidFill>
+              </a:rPr>
+              <a:t>[1] Yarman, O. (2010). TÜRK MAKAM MÜZİĞİNİ BİLGİSAYARDA TEMSİL ETMEYE YÖNELİK BAŞLICA YERLİ YAZILIMLAR </a:t>
+            </a:r>
+          </a:p>
+        </p:txBody>
+      </p:sp>
+      <p:pic>
+        <p:nvPicPr>
+          <p:cNvPr id="20" name="Graphic 19">
+            <a:extLst>
+              <a:ext uri="{FF2B5EF4-FFF2-40B4-BE49-F238E27FC236}">
+                <a16:creationId xmlns:a16="http://schemas.microsoft.com/office/drawing/2014/main" id="{CF7CA4FA-1A1A-CE46-81B8-E6D662DA5E2E}"/>
+              </a:ext>
+            </a:extLst>
+          </p:cNvPr>
+          <p:cNvPicPr>
+            <a:picLocks noChangeAspect="1"/>
+          </p:cNvPicPr>
+          <p:nvPr/>
+        </p:nvPicPr>
+        <p:blipFill>
+          <a:blip r:embed="rId2">
+            <a:extLst>
+              <a:ext uri="{96DAC541-7B7A-43D3-8B79-37D633B846F1}">
+                <asvg:svgBlip xmlns:asvg="http://schemas.microsoft.com/office/drawing/2016/SVG/main" r:embed="rId3"/>
+              </a:ext>
+            </a:extLst>
+          </a:blip>
+          <a:stretch>
+            <a:fillRect/>
+          </a:stretch>
+        </p:blipFill>
+        <p:spPr>
+          <a:xfrm>
+            <a:off x="4235640" y="2105555"/>
+            <a:ext cx="178050" cy="3830550"/>
+          </a:xfrm>
+          <a:prstGeom prst="rect">
+            <a:avLst/>
+          </a:prstGeom>
+        </p:spPr>
+      </p:pic>
     </p:spTree>
     <p:extLst>
       <p:ext uri="{BB962C8B-B14F-4D97-AF65-F5344CB8AC3E}">
-        <p14:creationId xmlns:p14="http://schemas.microsoft.com/office/powerpoint/2010/main" val="2630755311"/>
+        <p14:creationId xmlns:p14="http://schemas.microsoft.com/office/powerpoint/2010/main" val="1643482467"/>
       </p:ext>
     </p:extLst>
   </p:cSld>
@@ -3699,13 +4229,13 @@
           <a:lstStyle/>
           <a:p>
             <a:r>
-              <a:rPr lang="tr-TR" dirty="0">
+              <a:rPr lang="tr-TR">
                 <a:solidFill>
                   <a:srgbClr val="243041"/>
                 </a:solidFill>
                 <a:latin typeface="Cambria" panose="02040503050406030204" pitchFamily="18" charset="0"/>
               </a:rPr>
-              <a:t>Nota Yazım Uygulamaları</a:t>
+              <a:t>Uygulama Platformları</a:t>
             </a:r>
           </a:p>
         </p:txBody>
@@ -3728,8 +4258,8 @@
         </p:nvSpPr>
         <p:spPr>
           <a:xfrm>
-            <a:off x="5014219" y="1978025"/>
-            <a:ext cx="3501131" cy="3978892"/>
+            <a:off x="5147626" y="2105555"/>
+            <a:ext cx="3367723" cy="3978892"/>
           </a:xfrm>
         </p:spPr>
         <p:txBody>
@@ -3738,29 +4268,47 @@
           </a:bodyPr>
           <a:lstStyle/>
           <a:p>
-            <a:r>
-              <a:rPr lang="en-US" sz="3200" dirty="0">
+            <a:pPr marL="0" indent="0">
+              <a:buNone/>
+            </a:pPr>
+            <a:r>
+              <a:rPr lang="tr-TR" sz="3600" b="1" dirty="0">
                 <a:solidFill>
                   <a:srgbClr val="243041"/>
                 </a:solidFill>
               </a:rPr>
-              <a:t>Nota [1]</a:t>
-            </a:r>
-          </a:p>
-          <a:p>
-            <a:r>
-              <a:rPr lang="en-US" sz="3200" dirty="0">
+              <a:t>Web</a:t>
+            </a:r>
+          </a:p>
+          <a:p>
+            <a:r>
+              <a:rPr lang="tr-TR" sz="3200" dirty="0">
                 <a:solidFill>
                   <a:srgbClr val="243041"/>
                 </a:solidFill>
               </a:rPr>
-              <a:t>Mus2</a:t>
-            </a:r>
-            <a:endParaRPr lang="tr-TR" sz="3200" dirty="0">
-              <a:solidFill>
-                <a:srgbClr val="243041"/>
-              </a:solidFill>
-            </a:endParaRPr>
+              <a:t>Kolay erişim</a:t>
+            </a:r>
+          </a:p>
+          <a:p>
+            <a:r>
+              <a:rPr lang="tr-TR" sz="3200" dirty="0">
+                <a:solidFill>
+                  <a:srgbClr val="243041"/>
+                </a:solidFill>
+              </a:rPr>
+              <a:t>İ.S. bağımsız</a:t>
+            </a:r>
+          </a:p>
+          <a:p>
+            <a:r>
+              <a:rPr lang="tr-TR" sz="3200" dirty="0">
+                <a:solidFill>
+                  <a:srgbClr val="243041"/>
+                </a:solidFill>
+              </a:rPr>
+              <a:t>Durağanlık</a:t>
+            </a:r>
           </a:p>
         </p:txBody>
       </p:sp>
@@ -3809,8 +4357,8 @@
         </p:nvSpPr>
         <p:spPr>
           <a:xfrm>
-            <a:off x="781051" y="1978025"/>
-            <a:ext cx="3348732" cy="3978892"/>
+            <a:off x="781051" y="2105555"/>
+            <a:ext cx="3215323" cy="3978892"/>
           </a:xfrm>
           <a:prstGeom prst="rect">
             <a:avLst/>
@@ -3985,13 +4533,26 @@
             </a:lvl9pPr>
           </a:lstStyle>
           <a:p>
+            <a:pPr marL="0" indent="0">
+              <a:buNone/>
+            </a:pPr>
+            <a:r>
+              <a:rPr lang="tr-TR" sz="3600" b="1" dirty="0">
+                <a:solidFill>
+                  <a:srgbClr val="243041"/>
+                </a:solidFill>
+              </a:rPr>
+              <a:t>PC / Mobil</a:t>
+            </a:r>
+          </a:p>
+          <a:p>
             <a:r>
               <a:rPr lang="tr-TR" sz="3200" dirty="0">
                 <a:solidFill>
                   <a:srgbClr val="243041"/>
                 </a:solidFill>
               </a:rPr>
-              <a:t>Cubase Score</a:t>
+              <a:t>Hızlı</a:t>
             </a:r>
           </a:p>
           <a:p>
@@ -4001,7 +4562,7 @@
                   <a:srgbClr val="243041"/>
                 </a:solidFill>
               </a:rPr>
-              <a:t>Finale </a:t>
+              <a:t>Paralel görevler</a:t>
             </a:r>
           </a:p>
           <a:p>
@@ -4011,47 +4572,7 @@
                   <a:srgbClr val="243041"/>
                 </a:solidFill>
               </a:rPr>
-              <a:t>Guitar Pro</a:t>
-            </a:r>
-          </a:p>
-          <a:p>
-            <a:r>
-              <a:rPr lang="tr-TR" sz="3200" dirty="0">
-                <a:solidFill>
-                  <a:srgbClr val="243041"/>
-                </a:solidFill>
-              </a:rPr>
-              <a:t>MuseScore</a:t>
-            </a:r>
-          </a:p>
-          <a:p>
-            <a:r>
-              <a:rPr lang="tr-TR" sz="3200" dirty="0">
-                <a:solidFill>
-                  <a:srgbClr val="243041"/>
-                </a:solidFill>
-              </a:rPr>
-              <a:t>Sibelius</a:t>
-            </a:r>
-          </a:p>
-          <a:p>
-            <a:r>
-              <a:rPr lang="tr-TR" sz="3200" dirty="0">
-                <a:solidFill>
-                  <a:srgbClr val="243041"/>
-                </a:solidFill>
-              </a:rPr>
-              <a:t>Flat.io</a:t>
-            </a:r>
-          </a:p>
-          <a:p>
-            <a:r>
-              <a:rPr lang="tr-TR" sz="3200" dirty="0">
-                <a:solidFill>
-                  <a:srgbClr val="243041"/>
-                </a:solidFill>
-              </a:rPr>
-              <a:t>Noteflight</a:t>
+              <a:t>Donanım erişimi</a:t>
             </a:r>
           </a:p>
         </p:txBody>
@@ -4253,7 +4774,7 @@
               <a:buNone/>
             </a:pPr>
             <a:r>
-              <a:rPr lang="tr-TR" sz="1600" dirty="0">
+              <a:rPr lang="tr-TR" sz="1600">
                 <a:solidFill>
                   <a:srgbClr val="243041"/>
                 </a:solidFill>
@@ -4263,85 +4784,46 @@
           </a:p>
         </p:txBody>
       </p:sp>
-      <p:sp>
-        <p:nvSpPr>
-          <p:cNvPr id="12" name="Rectangle 11">
+      <p:pic>
+        <p:nvPicPr>
+          <p:cNvPr id="20" name="Graphic 19">
             <a:extLst>
               <a:ext uri="{FF2B5EF4-FFF2-40B4-BE49-F238E27FC236}">
-                <a16:creationId xmlns:a16="http://schemas.microsoft.com/office/drawing/2014/main" id="{E14DA973-E691-487F-93F3-D3A741982021}"/>
+                <a16:creationId xmlns:a16="http://schemas.microsoft.com/office/drawing/2014/main" id="{CF7CA4FA-1A1A-CE46-81B8-E6D662DA5E2E}"/>
               </a:ext>
             </a:extLst>
           </p:cNvPr>
-          <p:cNvSpPr/>
+          <p:cNvPicPr>
+            <a:picLocks noChangeAspect="1"/>
+          </p:cNvPicPr>
           <p:nvPr/>
-        </p:nvSpPr>
+        </p:nvPicPr>
+        <p:blipFill>
+          <a:blip r:embed="rId2">
+            <a:extLst>
+              <a:ext uri="{96DAC541-7B7A-43D3-8B79-37D633B846F1}">
+                <asvg:svgBlip xmlns:asvg="http://schemas.microsoft.com/office/drawing/2016/SVG/main" r:embed="rId3"/>
+              </a:ext>
+            </a:extLst>
+          </a:blip>
+          <a:stretch>
+            <a:fillRect/>
+          </a:stretch>
+        </p:blipFill>
         <p:spPr>
-          <a:xfrm flipH="1">
-            <a:off x="4549136" y="2059619"/>
-            <a:ext cx="45719" cy="3799643"/>
+          <a:xfrm>
+            <a:off x="4235640" y="2105555"/>
+            <a:ext cx="178050" cy="3830550"/>
           </a:xfrm>
           <a:prstGeom prst="rect">
             <a:avLst/>
           </a:prstGeom>
-          <a:gradFill flip="none" rotWithShape="1">
-            <a:gsLst>
-              <a:gs pos="0">
-                <a:schemeClr val="accent3">
-                  <a:lumMod val="89000"/>
-                  <a:alpha val="0"/>
-                </a:schemeClr>
-              </a:gs>
-              <a:gs pos="23000">
-                <a:schemeClr val="accent3">
-                  <a:lumMod val="89000"/>
-                </a:schemeClr>
-              </a:gs>
-              <a:gs pos="69000">
-                <a:schemeClr val="accent3">
-                  <a:lumMod val="75000"/>
-                </a:schemeClr>
-              </a:gs>
-              <a:gs pos="97000">
-                <a:schemeClr val="accent3">
-                  <a:lumMod val="70000"/>
-                  <a:alpha val="0"/>
-                </a:schemeClr>
-              </a:gs>
-            </a:gsLst>
-            <a:lin ang="5400000" scaled="1"/>
-            <a:tileRect/>
-          </a:gradFill>
-          <a:ln>
-            <a:noFill/>
-          </a:ln>
         </p:spPr>
-        <p:style>
-          <a:lnRef idx="0">
-            <a:scrgbClr r="0" g="0" b="0"/>
-          </a:lnRef>
-          <a:fillRef idx="0">
-            <a:scrgbClr r="0" g="0" b="0"/>
-          </a:fillRef>
-          <a:effectRef idx="0">
-            <a:scrgbClr r="0" g="0" b="0"/>
-          </a:effectRef>
-          <a:fontRef idx="minor">
-            <a:schemeClr val="lt1"/>
-          </a:fontRef>
-        </p:style>
-        <p:txBody>
-          <a:bodyPr rtlCol="0" anchor="ctr"/>
-          <a:lstStyle/>
-          <a:p>
-            <a:pPr algn="ctr"/>
-            <a:endParaRPr lang="tr-TR"/>
-          </a:p>
-        </p:txBody>
-      </p:sp>
+      </p:pic>
     </p:spTree>
     <p:extLst>
       <p:ext uri="{BB962C8B-B14F-4D97-AF65-F5344CB8AC3E}">
-        <p14:creationId xmlns:p14="http://schemas.microsoft.com/office/powerpoint/2010/main" val="1643482467"/>
+        <p14:creationId xmlns:p14="http://schemas.microsoft.com/office/powerpoint/2010/main" val="1990912419"/>
       </p:ext>
     </p:extLst>
   </p:cSld>
@@ -4390,7 +4872,7 @@
           <a:lstStyle/>
           <a:p>
             <a:r>
-              <a:rPr lang="tr-TR" dirty="0">
+              <a:rPr lang="tr-TR">
                 <a:solidFill>
                   <a:srgbClr val="243041"/>
                 </a:solidFill>
@@ -4428,29 +4910,19 @@
               <a:buNone/>
             </a:pPr>
             <a:r>
-              <a:rPr lang="tr-TR" sz="3600" dirty="0">
+              <a:rPr lang="tr-TR" sz="3600">
                 <a:solidFill>
                   <a:srgbClr val="243041"/>
                 </a:solidFill>
+                <a:hlinkClick r:id="rId2"/>
               </a:rPr>
-              <a:t>http://</a:t>
-            </a:r>
-            <a:r>
-              <a:rPr lang="tr-TR" sz="3600" dirty="0" err="1">
-                <a:solidFill>
-                  <a:srgbClr val="243041"/>
-                </a:solidFill>
-              </a:rPr>
-              <a:t>music.cs.deu.edu.tr</a:t>
-            </a:r>
-            <a:r>
-              <a:rPr lang="tr-TR" sz="3600" dirty="0">
-                <a:solidFill>
-                  <a:srgbClr val="243041"/>
-                </a:solidFill>
-              </a:rPr>
-              <a:t>/katip</a:t>
-            </a:r>
+              <a:t>http://music.cs.deu.edu.tr/katip</a:t>
+            </a:r>
+            <a:endParaRPr lang="tr-TR" sz="3600">
+              <a:solidFill>
+                <a:srgbClr val="243041"/>
+              </a:solidFill>
+            </a:endParaRPr>
           </a:p>
         </p:txBody>
       </p:sp>
@@ -4487,6 +4959,444 @@
     <p:extLst>
       <p:ext uri="{BB962C8B-B14F-4D97-AF65-F5344CB8AC3E}">
         <p14:creationId xmlns:p14="http://schemas.microsoft.com/office/powerpoint/2010/main" val="4138693522"/>
+      </p:ext>
+    </p:extLst>
+  </p:cSld>
+  <p:clrMapOvr>
+    <a:masterClrMapping/>
+  </p:clrMapOvr>
+</p:sld>
+</file>
+
+<file path=ppt/slides/slide5.xml><?xml version="1.0" encoding="utf-8"?>
+<p:sld xmlns:a="http://schemas.openxmlformats.org/drawingml/2006/main" xmlns:r="http://schemas.openxmlformats.org/officeDocument/2006/relationships" xmlns:p="http://schemas.openxmlformats.org/presentationml/2006/main">
+  <p:cSld>
+    <p:spTree>
+      <p:nvGrpSpPr>
+        <p:cNvPr id="1" name=""/>
+        <p:cNvGrpSpPr/>
+        <p:nvPr/>
+      </p:nvGrpSpPr>
+      <p:grpSpPr>
+        <a:xfrm>
+          <a:off x="0" y="0"/>
+          <a:ext cx="0" cy="0"/>
+          <a:chOff x="0" y="0"/>
+          <a:chExt cx="0" cy="0"/>
+        </a:xfrm>
+      </p:grpSpPr>
+      <p:sp>
+        <p:nvSpPr>
+          <p:cNvPr id="2" name="Title 1">
+            <a:extLst>
+              <a:ext uri="{FF2B5EF4-FFF2-40B4-BE49-F238E27FC236}">
+                <a16:creationId xmlns:a16="http://schemas.microsoft.com/office/drawing/2014/main" id="{D1B1EED6-F70F-2C42-982B-7304BE48B48E}"/>
+              </a:ext>
+            </a:extLst>
+          </p:cNvPr>
+          <p:cNvSpPr>
+            <a:spLocks noGrp="1"/>
+          </p:cNvSpPr>
+          <p:nvPr>
+            <p:ph type="title"/>
+          </p:nvPr>
+        </p:nvSpPr>
+        <p:spPr/>
+        <p:txBody>
+          <a:bodyPr/>
+          <a:lstStyle/>
+          <a:p>
+            <a:r>
+              <a:rPr lang="tr-TR" dirty="0">
+                <a:solidFill>
+                  <a:srgbClr val="243041"/>
+                </a:solidFill>
+                <a:latin typeface="Cambria" panose="02040503050406030204" pitchFamily="18" charset="0"/>
+              </a:rPr>
+              <a:t>Amaç</a:t>
+            </a:r>
+          </a:p>
+        </p:txBody>
+      </p:sp>
+      <p:sp>
+        <p:nvSpPr>
+          <p:cNvPr id="3" name="Content Placeholder 2">
+            <a:extLst>
+              <a:ext uri="{FF2B5EF4-FFF2-40B4-BE49-F238E27FC236}">
+                <a16:creationId xmlns:a16="http://schemas.microsoft.com/office/drawing/2014/main" id="{4E958FD7-5D47-F247-A470-4E94A4F14BAB}"/>
+              </a:ext>
+            </a:extLst>
+          </p:cNvPr>
+          <p:cNvSpPr>
+            <a:spLocks noGrp="1"/>
+          </p:cNvSpPr>
+          <p:nvPr>
+            <p:ph idx="1"/>
+          </p:nvPr>
+        </p:nvSpPr>
+        <p:spPr/>
+        <p:txBody>
+          <a:bodyPr>
+            <a:normAutofit/>
+          </a:bodyPr>
+          <a:lstStyle/>
+          <a:p>
+            <a:r>
+              <a:rPr lang="tr-TR" sz="3600" dirty="0">
+                <a:solidFill>
+                  <a:srgbClr val="243041"/>
+                </a:solidFill>
+              </a:rPr>
+              <a:t>Türk müziği için özelleşmiş ücretsiz bir ortam oluşturmak.</a:t>
+            </a:r>
+          </a:p>
+          <a:p>
+            <a:r>
+              <a:rPr lang="tr-TR" sz="3600" dirty="0">
+                <a:solidFill>
+                  <a:srgbClr val="243041"/>
+                </a:solidFill>
+              </a:rPr>
+              <a:t>İzinler doğrultusunda müzikal verilerden sayısal havuz derlemek.</a:t>
+            </a:r>
+          </a:p>
+        </p:txBody>
+      </p:sp>
+      <p:sp>
+        <p:nvSpPr>
+          <p:cNvPr id="4" name="Slide Number Placeholder 3">
+            <a:extLst>
+              <a:ext uri="{FF2B5EF4-FFF2-40B4-BE49-F238E27FC236}">
+                <a16:creationId xmlns:a16="http://schemas.microsoft.com/office/drawing/2014/main" id="{21960B8E-F2EC-0C45-8C3C-47B7B748920B}"/>
+              </a:ext>
+            </a:extLst>
+          </p:cNvPr>
+          <p:cNvSpPr>
+            <a:spLocks noGrp="1"/>
+          </p:cNvSpPr>
+          <p:nvPr>
+            <p:ph type="sldNum" sz="quarter" idx="12"/>
+          </p:nvPr>
+        </p:nvSpPr>
+        <p:spPr/>
+        <p:txBody>
+          <a:bodyPr/>
+          <a:lstStyle/>
+          <a:p>
+            <a:fld id="{0B0A7288-46A4-3940-A53E-A8FC0B879407}" type="slidenum">
+              <a:rPr lang="en-TR" smtClean="0"/>
+              <a:t>5</a:t>
+            </a:fld>
+            <a:endParaRPr lang="en-TR"/>
+          </a:p>
+        </p:txBody>
+      </p:sp>
+    </p:spTree>
+    <p:extLst>
+      <p:ext uri="{BB962C8B-B14F-4D97-AF65-F5344CB8AC3E}">
+        <p14:creationId xmlns:p14="http://schemas.microsoft.com/office/powerpoint/2010/main" val="3718857474"/>
+      </p:ext>
+    </p:extLst>
+  </p:cSld>
+  <p:clrMapOvr>
+    <a:masterClrMapping/>
+  </p:clrMapOvr>
+</p:sld>
+</file>
+
+<file path=ppt/slides/slide6.xml><?xml version="1.0" encoding="utf-8"?>
+<p:sld xmlns:a="http://schemas.openxmlformats.org/drawingml/2006/main" xmlns:r="http://schemas.openxmlformats.org/officeDocument/2006/relationships" xmlns:p="http://schemas.openxmlformats.org/presentationml/2006/main">
+  <p:cSld>
+    <p:spTree>
+      <p:nvGrpSpPr>
+        <p:cNvPr id="1" name=""/>
+        <p:cNvGrpSpPr/>
+        <p:nvPr/>
+      </p:nvGrpSpPr>
+      <p:grpSpPr>
+        <a:xfrm>
+          <a:off x="0" y="0"/>
+          <a:ext cx="0" cy="0"/>
+          <a:chOff x="0" y="0"/>
+          <a:chExt cx="0" cy="0"/>
+        </a:xfrm>
+      </p:grpSpPr>
+      <p:sp>
+        <p:nvSpPr>
+          <p:cNvPr id="2" name="Title 1">
+            <a:extLst>
+              <a:ext uri="{FF2B5EF4-FFF2-40B4-BE49-F238E27FC236}">
+                <a16:creationId xmlns:a16="http://schemas.microsoft.com/office/drawing/2014/main" id="{D1B1EED6-F70F-2C42-982B-7304BE48B48E}"/>
+              </a:ext>
+            </a:extLst>
+          </p:cNvPr>
+          <p:cNvSpPr>
+            <a:spLocks noGrp="1"/>
+          </p:cNvSpPr>
+          <p:nvPr>
+            <p:ph type="title"/>
+          </p:nvPr>
+        </p:nvSpPr>
+        <p:spPr/>
+        <p:txBody>
+          <a:bodyPr/>
+          <a:lstStyle/>
+          <a:p>
+            <a:r>
+              <a:rPr lang="tr-TR" dirty="0">
+                <a:solidFill>
+                  <a:srgbClr val="243041"/>
+                </a:solidFill>
+                <a:latin typeface="Cambria" panose="02040503050406030204" pitchFamily="18" charset="0"/>
+              </a:rPr>
+              <a:t>Hedefler</a:t>
+            </a:r>
+          </a:p>
+        </p:txBody>
+      </p:sp>
+      <p:sp>
+        <p:nvSpPr>
+          <p:cNvPr id="3" name="Content Placeholder 2">
+            <a:extLst>
+              <a:ext uri="{FF2B5EF4-FFF2-40B4-BE49-F238E27FC236}">
+                <a16:creationId xmlns:a16="http://schemas.microsoft.com/office/drawing/2014/main" id="{4E958FD7-5D47-F247-A470-4E94A4F14BAB}"/>
+              </a:ext>
+            </a:extLst>
+          </p:cNvPr>
+          <p:cNvSpPr>
+            <a:spLocks noGrp="1"/>
+          </p:cNvSpPr>
+          <p:nvPr>
+            <p:ph idx="1"/>
+          </p:nvPr>
+        </p:nvSpPr>
+        <p:spPr/>
+        <p:txBody>
+          <a:bodyPr>
+            <a:normAutofit/>
+          </a:bodyPr>
+          <a:lstStyle/>
+          <a:p>
+            <a:r>
+              <a:rPr lang="tr-TR" sz="3600" dirty="0">
+                <a:solidFill>
+                  <a:srgbClr val="243041"/>
+                </a:solidFill>
+              </a:rPr>
+              <a:t>Kanun, ud, bağlama «soundfont» dosyaları oluşturmak.</a:t>
+            </a:r>
+          </a:p>
+          <a:p>
+            <a:r>
+              <a:rPr lang="tr-TR" sz="3600" dirty="0">
+                <a:solidFill>
+                  <a:srgbClr val="243041"/>
+                </a:solidFill>
+              </a:rPr>
+              <a:t>AEÜ, 17’li perde dizgesi ve manuel entonasyon düzenlemeleri.</a:t>
+            </a:r>
+          </a:p>
+          <a:p>
+            <a:r>
+              <a:rPr lang="tr-TR" sz="3600" dirty="0">
+                <a:solidFill>
+                  <a:srgbClr val="243041"/>
+                </a:solidFill>
+              </a:rPr>
+              <a:t>Çoklu çalışma altyapısı.</a:t>
+            </a:r>
+          </a:p>
+          <a:p>
+            <a:r>
+              <a:rPr lang="tr-TR" sz="3600" dirty="0">
+                <a:solidFill>
+                  <a:srgbClr val="243041"/>
+                </a:solidFill>
+              </a:rPr>
+              <a:t>Geri bildirimler ile sürekli gelişim.</a:t>
+            </a:r>
+          </a:p>
+          <a:p>
+            <a:r>
+              <a:rPr lang="tr-TR" sz="3600" dirty="0">
+                <a:solidFill>
+                  <a:srgbClr val="243041"/>
+                </a:solidFill>
+              </a:rPr>
+              <a:t>Yapay zeka destekli özellikler.</a:t>
+            </a:r>
+          </a:p>
+          <a:p>
+            <a:endParaRPr lang="tr-TR" sz="3600" dirty="0">
+              <a:solidFill>
+                <a:srgbClr val="243041"/>
+              </a:solidFill>
+            </a:endParaRPr>
+          </a:p>
+        </p:txBody>
+      </p:sp>
+      <p:sp>
+        <p:nvSpPr>
+          <p:cNvPr id="4" name="Slide Number Placeholder 3">
+            <a:extLst>
+              <a:ext uri="{FF2B5EF4-FFF2-40B4-BE49-F238E27FC236}">
+                <a16:creationId xmlns:a16="http://schemas.microsoft.com/office/drawing/2014/main" id="{21960B8E-F2EC-0C45-8C3C-47B7B748920B}"/>
+              </a:ext>
+            </a:extLst>
+          </p:cNvPr>
+          <p:cNvSpPr>
+            <a:spLocks noGrp="1"/>
+          </p:cNvSpPr>
+          <p:nvPr>
+            <p:ph type="sldNum" sz="quarter" idx="12"/>
+          </p:nvPr>
+        </p:nvSpPr>
+        <p:spPr/>
+        <p:txBody>
+          <a:bodyPr/>
+          <a:lstStyle/>
+          <a:p>
+            <a:fld id="{0B0A7288-46A4-3940-A53E-A8FC0B879407}" type="slidenum">
+              <a:rPr lang="en-TR" smtClean="0"/>
+              <a:t>6</a:t>
+            </a:fld>
+            <a:endParaRPr lang="en-TR"/>
+          </a:p>
+        </p:txBody>
+      </p:sp>
+    </p:spTree>
+    <p:extLst>
+      <p:ext uri="{BB962C8B-B14F-4D97-AF65-F5344CB8AC3E}">
+        <p14:creationId xmlns:p14="http://schemas.microsoft.com/office/powerpoint/2010/main" val="3125555237"/>
+      </p:ext>
+    </p:extLst>
+  </p:cSld>
+  <p:clrMapOvr>
+    <a:masterClrMapping/>
+  </p:clrMapOvr>
+</p:sld>
+</file>
+
+<file path=ppt/slides/slide7.xml><?xml version="1.0" encoding="utf-8"?>
+<p:sld xmlns:a="http://schemas.openxmlformats.org/drawingml/2006/main" xmlns:r="http://schemas.openxmlformats.org/officeDocument/2006/relationships" xmlns:p="http://schemas.openxmlformats.org/presentationml/2006/main">
+  <p:cSld>
+    <p:spTree>
+      <p:nvGrpSpPr>
+        <p:cNvPr id="1" name=""/>
+        <p:cNvGrpSpPr/>
+        <p:nvPr/>
+      </p:nvGrpSpPr>
+      <p:grpSpPr>
+        <a:xfrm>
+          <a:off x="0" y="0"/>
+          <a:ext cx="0" cy="0"/>
+          <a:chOff x="0" y="0"/>
+          <a:chExt cx="0" cy="0"/>
+        </a:xfrm>
+      </p:grpSpPr>
+      <p:sp>
+        <p:nvSpPr>
+          <p:cNvPr id="2" name="Title 1">
+            <a:extLst>
+              <a:ext uri="{FF2B5EF4-FFF2-40B4-BE49-F238E27FC236}">
+                <a16:creationId xmlns:a16="http://schemas.microsoft.com/office/drawing/2014/main" id="{D1B1EED6-F70F-2C42-982B-7304BE48B48E}"/>
+              </a:ext>
+            </a:extLst>
+          </p:cNvPr>
+          <p:cNvSpPr>
+            <a:spLocks noGrp="1"/>
+          </p:cNvSpPr>
+          <p:nvPr>
+            <p:ph type="title"/>
+          </p:nvPr>
+        </p:nvSpPr>
+        <p:spPr/>
+        <p:txBody>
+          <a:bodyPr/>
+          <a:lstStyle/>
+          <a:p>
+            <a:r>
+              <a:rPr lang="tr-TR" dirty="0">
+                <a:solidFill>
+                  <a:srgbClr val="243041"/>
+                </a:solidFill>
+                <a:latin typeface="Cambria" panose="02040503050406030204" pitchFamily="18" charset="0"/>
+              </a:rPr>
+              <a:t>Sonuç</a:t>
+            </a:r>
+          </a:p>
+        </p:txBody>
+      </p:sp>
+      <p:sp>
+        <p:nvSpPr>
+          <p:cNvPr id="3" name="Content Placeholder 2">
+            <a:extLst>
+              <a:ext uri="{FF2B5EF4-FFF2-40B4-BE49-F238E27FC236}">
+                <a16:creationId xmlns:a16="http://schemas.microsoft.com/office/drawing/2014/main" id="{4E958FD7-5D47-F247-A470-4E94A4F14BAB}"/>
+              </a:ext>
+            </a:extLst>
+          </p:cNvPr>
+          <p:cNvSpPr>
+            <a:spLocks noGrp="1"/>
+          </p:cNvSpPr>
+          <p:nvPr>
+            <p:ph idx="1"/>
+          </p:nvPr>
+        </p:nvSpPr>
+        <p:spPr/>
+        <p:txBody>
+          <a:bodyPr>
+            <a:normAutofit/>
+          </a:bodyPr>
+          <a:lstStyle/>
+          <a:p>
+            <a:pPr marL="0" indent="0">
+              <a:buNone/>
+            </a:pPr>
+            <a:r>
+              <a:rPr lang="tr-TR" sz="3600" dirty="0">
+                <a:solidFill>
+                  <a:srgbClr val="243041"/>
+                </a:solidFill>
+              </a:rPr>
+              <a:t>Binlerce yıllık tarihimizin nişanesi olan musikimizin hizmetine modern ve ücretsiz bir teknolojik araç ekleyerek, sanatımıza ve sanatçımıza naçizane bir yardımcı el hediye etmeye gayret etmekteyiz.</a:t>
+            </a:r>
+          </a:p>
+        </p:txBody>
+      </p:sp>
+      <p:sp>
+        <p:nvSpPr>
+          <p:cNvPr id="4" name="Slide Number Placeholder 3">
+            <a:extLst>
+              <a:ext uri="{FF2B5EF4-FFF2-40B4-BE49-F238E27FC236}">
+                <a16:creationId xmlns:a16="http://schemas.microsoft.com/office/drawing/2014/main" id="{21960B8E-F2EC-0C45-8C3C-47B7B748920B}"/>
+              </a:ext>
+            </a:extLst>
+          </p:cNvPr>
+          <p:cNvSpPr>
+            <a:spLocks noGrp="1"/>
+          </p:cNvSpPr>
+          <p:nvPr>
+            <p:ph type="sldNum" sz="quarter" idx="12"/>
+          </p:nvPr>
+        </p:nvSpPr>
+        <p:spPr/>
+        <p:txBody>
+          <a:bodyPr/>
+          <a:lstStyle/>
+          <a:p>
+            <a:fld id="{0B0A7288-46A4-3940-A53E-A8FC0B879407}" type="slidenum">
+              <a:rPr lang="en-TR" smtClean="0"/>
+              <a:t>7</a:t>
+            </a:fld>
+            <a:endParaRPr lang="en-TR"/>
+          </a:p>
+        </p:txBody>
+      </p:sp>
+    </p:spTree>
+    <p:extLst>
+      <p:ext uri="{BB962C8B-B14F-4D97-AF65-F5344CB8AC3E}">
+        <p14:creationId xmlns:p14="http://schemas.microsoft.com/office/powerpoint/2010/main" val="2887808065"/>
       </p:ext>
     </p:extLst>
   </p:cSld>

--- a/assets/Katip.pptx
+++ b/assets/Katip.pptx
@@ -5,16 +5,15 @@
     <p:sldMasterId id="2147483660" r:id="rId1"/>
   </p:sldMasterIdLst>
   <p:notesMasterIdLst>
-    <p:notesMasterId r:id="rId9"/>
+    <p:notesMasterId r:id="rId8"/>
   </p:notesMasterIdLst>
   <p:sldIdLst>
     <p:sldId id="259" r:id="rId2"/>
     <p:sldId id="261" r:id="rId3"/>
     <p:sldId id="267" r:id="rId4"/>
-    <p:sldId id="265" r:id="rId5"/>
-    <p:sldId id="266" r:id="rId6"/>
-    <p:sldId id="268" r:id="rId7"/>
-    <p:sldId id="269" r:id="rId8"/>
+    <p:sldId id="266" r:id="rId5"/>
+    <p:sldId id="268" r:id="rId6"/>
+    <p:sldId id="265" r:id="rId7"/>
   </p:sldIdLst>
   <p:sldSz cx="9144000" cy="6858000" type="screen4x3"/>
   <p:notesSz cx="6858000" cy="9144000"/>
@@ -203,7 +202,7 @@
           <a:p>
             <a:fld id="{BA8D1F55-E99F-5045-8C53-3D21CEBDAA6D}" type="datetimeFigureOut">
               <a:rPr lang="tr-TR" smtClean="0"/>
-              <a:t>21.05.2021</a:t>
+              <a:t>5.06.2021</a:t>
             </a:fld>
             <a:endParaRPr lang="tr-TR"/>
           </a:p>
@@ -602,7 +601,7 @@
           <a:p>
             <a:fld id="{36D0695C-02F7-9E48-99F1-CA76EC165F5F}" type="datetime1">
               <a:rPr lang="tr-TR" smtClean="0"/>
-              <a:t>21.05.2021</a:t>
+              <a:t>5.06.2021</a:t>
             </a:fld>
             <a:endParaRPr lang="en-TR"/>
           </a:p>
@@ -772,7 +771,7 @@
           <a:p>
             <a:fld id="{07669073-FE43-284E-877E-F9D0B9FECE40}" type="datetime1">
               <a:rPr lang="tr-TR" smtClean="0"/>
-              <a:t>21.05.2021</a:t>
+              <a:t>5.06.2021</a:t>
             </a:fld>
             <a:endParaRPr lang="en-TR"/>
           </a:p>
@@ -952,7 +951,7 @@
           <a:p>
             <a:fld id="{93417FB8-E891-1145-9AF2-F81283B1CC0B}" type="datetime1">
               <a:rPr lang="tr-TR" smtClean="0"/>
-              <a:t>21.05.2021</a:t>
+              <a:t>5.06.2021</a:t>
             </a:fld>
             <a:endParaRPr lang="en-TR"/>
           </a:p>
@@ -1122,7 +1121,7 @@
           <a:p>
             <a:fld id="{7BB4C77B-42F8-394E-B013-479195A17602}" type="datetime1">
               <a:rPr lang="tr-TR" smtClean="0"/>
-              <a:t>21.05.2021</a:t>
+              <a:t>5.06.2021</a:t>
             </a:fld>
             <a:endParaRPr lang="en-TR"/>
           </a:p>
@@ -1366,7 +1365,7 @@
           <a:p>
             <a:fld id="{F35B99F1-B0D2-B54F-A547-A51617C4E854}" type="datetime1">
               <a:rPr lang="tr-TR" smtClean="0"/>
-              <a:t>21.05.2021</a:t>
+              <a:t>5.06.2021</a:t>
             </a:fld>
             <a:endParaRPr lang="en-TR"/>
           </a:p>
@@ -1598,7 +1597,7 @@
           <a:p>
             <a:fld id="{E2F121C7-DD52-C240-90E9-DF6893BE1BE2}" type="datetime1">
               <a:rPr lang="tr-TR" smtClean="0"/>
-              <a:t>21.05.2021</a:t>
+              <a:t>5.06.2021</a:t>
             </a:fld>
             <a:endParaRPr lang="en-TR"/>
           </a:p>
@@ -1965,7 +1964,7 @@
           <a:p>
             <a:fld id="{53929604-B735-B94D-B9DF-70C67D50649B}" type="datetime1">
               <a:rPr lang="tr-TR" smtClean="0"/>
-              <a:t>21.05.2021</a:t>
+              <a:t>5.06.2021</a:t>
             </a:fld>
             <a:endParaRPr lang="en-TR"/>
           </a:p>
@@ -2083,7 +2082,7 @@
           <a:p>
             <a:fld id="{AA3D4FE0-3B02-DA46-B96A-05866655B09D}" type="datetime1">
               <a:rPr lang="tr-TR" smtClean="0"/>
-              <a:t>21.05.2021</a:t>
+              <a:t>5.06.2021</a:t>
             </a:fld>
             <a:endParaRPr lang="en-TR"/>
           </a:p>
@@ -2178,7 +2177,7 @@
           <a:p>
             <a:fld id="{902B0211-A2D5-4347-B767-098CAB92A78F}" type="datetime1">
               <a:rPr lang="tr-TR" smtClean="0"/>
-              <a:t>21.05.2021</a:t>
+              <a:t>5.06.2021</a:t>
             </a:fld>
             <a:endParaRPr lang="en-TR"/>
           </a:p>
@@ -2455,7 +2454,7 @@
           <a:p>
             <a:fld id="{F3B2B4EE-0540-454A-82D3-2681F7435D3F}" type="datetime1">
               <a:rPr lang="tr-TR" smtClean="0"/>
-              <a:t>21.05.2021</a:t>
+              <a:t>5.06.2021</a:t>
             </a:fld>
             <a:endParaRPr lang="en-TR"/>
           </a:p>
@@ -2711,7 +2710,7 @@
           <a:p>
             <a:fld id="{D7CF92EB-5677-1144-9B83-595F8BFAD415}" type="datetime1">
               <a:rPr lang="tr-TR" smtClean="0"/>
-              <a:t>21.05.2021</a:t>
+              <a:t>5.06.2021</a:t>
             </a:fld>
             <a:endParaRPr lang="en-TR"/>
           </a:p>
@@ -2941,7 +2940,7 @@
           <a:p>
             <a:fld id="{F2372F51-7A8B-B948-B55B-93554365BB4D}" type="datetime1">
               <a:rPr lang="tr-TR" smtClean="0"/>
-              <a:t>21.05.2021</a:t>
+              <a:t>5.06.2021</a:t>
             </a:fld>
             <a:endParaRPr lang="en-TR"/>
           </a:p>
@@ -4577,213 +4576,6 @@
           </a:p>
         </p:txBody>
       </p:sp>
-      <p:sp>
-        <p:nvSpPr>
-          <p:cNvPr id="6" name="Content Placeholder 2">
-            <a:extLst>
-              <a:ext uri="{FF2B5EF4-FFF2-40B4-BE49-F238E27FC236}">
-                <a16:creationId xmlns:a16="http://schemas.microsoft.com/office/drawing/2014/main" id="{B8055233-E3E4-445F-B8E2-3F21DDE4F8D3}"/>
-              </a:ext>
-            </a:extLst>
-          </p:cNvPr>
-          <p:cNvSpPr txBox="1">
-            <a:spLocks/>
-          </p:cNvSpPr>
-          <p:nvPr/>
-        </p:nvSpPr>
-        <p:spPr>
-          <a:xfrm>
-            <a:off x="781051" y="6207201"/>
-            <a:ext cx="7734299" cy="571346"/>
-          </a:xfrm>
-          <a:prstGeom prst="rect">
-            <a:avLst/>
-          </a:prstGeom>
-        </p:spPr>
-        <p:txBody>
-          <a:bodyPr vert="horz" lIns="91440" tIns="45720" rIns="91440" bIns="45720" rtlCol="0">
-            <a:normAutofit/>
-          </a:bodyPr>
-          <a:lstStyle>
-            <a:lvl1pPr marL="228600" indent="-228600" algn="l" defTabSz="914400" rtl="0" eaLnBrk="1" latinLnBrk="0" hangingPunct="1">
-              <a:lnSpc>
-                <a:spcPct val="90000"/>
-              </a:lnSpc>
-              <a:spcBef>
-                <a:spcPts val="1000"/>
-              </a:spcBef>
-              <a:buFont typeface="Arial" panose="020B0604020202020204" pitchFamily="34" charset="0"/>
-              <a:buChar char="•"/>
-              <a:defRPr sz="2800" kern="1200">
-                <a:solidFill>
-                  <a:schemeClr val="tx1"/>
-                </a:solidFill>
-                <a:latin typeface="+mn-lt"/>
-                <a:ea typeface="+mn-ea"/>
-                <a:cs typeface="+mn-cs"/>
-              </a:defRPr>
-            </a:lvl1pPr>
-            <a:lvl2pPr marL="685800" indent="-228600" algn="l" defTabSz="914400" rtl="0" eaLnBrk="1" latinLnBrk="0" hangingPunct="1">
-              <a:lnSpc>
-                <a:spcPct val="90000"/>
-              </a:lnSpc>
-              <a:spcBef>
-                <a:spcPts val="500"/>
-              </a:spcBef>
-              <a:buFont typeface="Arial" panose="020B0604020202020204" pitchFamily="34" charset="0"/>
-              <a:buChar char="•"/>
-              <a:defRPr sz="2400" kern="1200">
-                <a:solidFill>
-                  <a:schemeClr val="tx1"/>
-                </a:solidFill>
-                <a:latin typeface="+mn-lt"/>
-                <a:ea typeface="+mn-ea"/>
-                <a:cs typeface="+mn-cs"/>
-              </a:defRPr>
-            </a:lvl2pPr>
-            <a:lvl3pPr marL="1143000" indent="-228600" algn="l" defTabSz="914400" rtl="0" eaLnBrk="1" latinLnBrk="0" hangingPunct="1">
-              <a:lnSpc>
-                <a:spcPct val="90000"/>
-              </a:lnSpc>
-              <a:spcBef>
-                <a:spcPts val="500"/>
-              </a:spcBef>
-              <a:buFont typeface="Arial" panose="020B0604020202020204" pitchFamily="34" charset="0"/>
-              <a:buChar char="•"/>
-              <a:defRPr sz="2000" kern="1200">
-                <a:solidFill>
-                  <a:schemeClr val="tx1"/>
-                </a:solidFill>
-                <a:latin typeface="+mn-lt"/>
-                <a:ea typeface="+mn-ea"/>
-                <a:cs typeface="+mn-cs"/>
-              </a:defRPr>
-            </a:lvl3pPr>
-            <a:lvl4pPr marL="1600200" indent="-228600" algn="l" defTabSz="914400" rtl="0" eaLnBrk="1" latinLnBrk="0" hangingPunct="1">
-              <a:lnSpc>
-                <a:spcPct val="90000"/>
-              </a:lnSpc>
-              <a:spcBef>
-                <a:spcPts val="500"/>
-              </a:spcBef>
-              <a:buFont typeface="Arial" panose="020B0604020202020204" pitchFamily="34" charset="0"/>
-              <a:buChar char="•"/>
-              <a:defRPr sz="1800" kern="1200">
-                <a:solidFill>
-                  <a:schemeClr val="tx1"/>
-                </a:solidFill>
-                <a:latin typeface="+mn-lt"/>
-                <a:ea typeface="+mn-ea"/>
-                <a:cs typeface="+mn-cs"/>
-              </a:defRPr>
-            </a:lvl4pPr>
-            <a:lvl5pPr marL="2057400" indent="-228600" algn="l" defTabSz="914400" rtl="0" eaLnBrk="1" latinLnBrk="0" hangingPunct="1">
-              <a:lnSpc>
-                <a:spcPct val="90000"/>
-              </a:lnSpc>
-              <a:spcBef>
-                <a:spcPts val="500"/>
-              </a:spcBef>
-              <a:buFont typeface="Arial" panose="020B0604020202020204" pitchFamily="34" charset="0"/>
-              <a:buChar char="•"/>
-              <a:defRPr sz="1800" kern="1200">
-                <a:solidFill>
-                  <a:schemeClr val="tx1"/>
-                </a:solidFill>
-                <a:latin typeface="+mn-lt"/>
-                <a:ea typeface="+mn-ea"/>
-                <a:cs typeface="+mn-cs"/>
-              </a:defRPr>
-            </a:lvl5pPr>
-            <a:lvl6pPr marL="2514600" indent="-228600" algn="l" defTabSz="914400" rtl="0" eaLnBrk="1" latinLnBrk="0" hangingPunct="1">
-              <a:lnSpc>
-                <a:spcPct val="90000"/>
-              </a:lnSpc>
-              <a:spcBef>
-                <a:spcPts val="500"/>
-              </a:spcBef>
-              <a:buFont typeface="Arial" panose="020B0604020202020204" pitchFamily="34" charset="0"/>
-              <a:buChar char="•"/>
-              <a:defRPr sz="1800" kern="1200">
-                <a:solidFill>
-                  <a:schemeClr val="tx1"/>
-                </a:solidFill>
-                <a:latin typeface="+mn-lt"/>
-                <a:ea typeface="+mn-ea"/>
-                <a:cs typeface="+mn-cs"/>
-              </a:defRPr>
-            </a:lvl6pPr>
-            <a:lvl7pPr marL="2971800" indent="-228600" algn="l" defTabSz="914400" rtl="0" eaLnBrk="1" latinLnBrk="0" hangingPunct="1">
-              <a:lnSpc>
-                <a:spcPct val="90000"/>
-              </a:lnSpc>
-              <a:spcBef>
-                <a:spcPts val="500"/>
-              </a:spcBef>
-              <a:buFont typeface="Arial" panose="020B0604020202020204" pitchFamily="34" charset="0"/>
-              <a:buChar char="•"/>
-              <a:defRPr sz="1800" kern="1200">
-                <a:solidFill>
-                  <a:schemeClr val="tx1"/>
-                </a:solidFill>
-                <a:latin typeface="+mn-lt"/>
-                <a:ea typeface="+mn-ea"/>
-                <a:cs typeface="+mn-cs"/>
-              </a:defRPr>
-            </a:lvl7pPr>
-            <a:lvl8pPr marL="3429000" indent="-228600" algn="l" defTabSz="914400" rtl="0" eaLnBrk="1" latinLnBrk="0" hangingPunct="1">
-              <a:lnSpc>
-                <a:spcPct val="90000"/>
-              </a:lnSpc>
-              <a:spcBef>
-                <a:spcPts val="500"/>
-              </a:spcBef>
-              <a:buFont typeface="Arial" panose="020B0604020202020204" pitchFamily="34" charset="0"/>
-              <a:buChar char="•"/>
-              <a:defRPr sz="1800" kern="1200">
-                <a:solidFill>
-                  <a:schemeClr val="tx1"/>
-                </a:solidFill>
-                <a:latin typeface="+mn-lt"/>
-                <a:ea typeface="+mn-ea"/>
-                <a:cs typeface="+mn-cs"/>
-              </a:defRPr>
-            </a:lvl8pPr>
-            <a:lvl9pPr marL="3886200" indent="-228600" algn="l" defTabSz="914400" rtl="0" eaLnBrk="1" latinLnBrk="0" hangingPunct="1">
-              <a:lnSpc>
-                <a:spcPct val="90000"/>
-              </a:lnSpc>
-              <a:spcBef>
-                <a:spcPts val="500"/>
-              </a:spcBef>
-              <a:buFont typeface="Arial" panose="020B0604020202020204" pitchFamily="34" charset="0"/>
-              <a:buChar char="•"/>
-              <a:defRPr sz="1800" kern="1200">
-                <a:solidFill>
-                  <a:schemeClr val="tx1"/>
-                </a:solidFill>
-                <a:latin typeface="+mn-lt"/>
-                <a:ea typeface="+mn-ea"/>
-                <a:cs typeface="+mn-cs"/>
-              </a:defRPr>
-            </a:lvl9pPr>
-          </a:lstStyle>
-          <a:p>
-            <a:pPr marL="0" indent="0">
-              <a:buFont typeface="Arial" panose="020B0604020202020204" pitchFamily="34" charset="0"/>
-              <a:buNone/>
-            </a:pPr>
-            <a:r>
-              <a:rPr lang="tr-TR" sz="1600">
-                <a:solidFill>
-                  <a:srgbClr val="243041"/>
-                </a:solidFill>
-              </a:rPr>
-              <a:t>[1] Yarman, O. (2010). TÜRK MAKAM MÜZİĞİNİ BİLGİSAYARDA TEMSİL ETMEYE YÖNELİK BAŞLICA YERLİ YAZILIMLAR </a:t>
-            </a:r>
-          </a:p>
-        </p:txBody>
-      </p:sp>
       <p:pic>
         <p:nvPicPr>
           <p:cNvPr id="20" name="Graphic 19">
@@ -4872,13 +4664,13 @@
           <a:lstStyle/>
           <a:p>
             <a:r>
-              <a:rPr lang="tr-TR">
+              <a:rPr lang="tr-TR" dirty="0">
                 <a:solidFill>
                   <a:srgbClr val="243041"/>
                 </a:solidFill>
                 <a:latin typeface="Cambria" panose="02040503050406030204" pitchFamily="18" charset="0"/>
               </a:rPr>
-              <a:t>Grafiksel Arayüz (Demo)</a:t>
+              <a:t>Amaç</a:t>
             </a:r>
           </a:p>
         </p:txBody>
@@ -4906,23 +4698,24 @@
           </a:bodyPr>
           <a:lstStyle/>
           <a:p>
-            <a:pPr marL="0" indent="0">
-              <a:buNone/>
-            </a:pPr>
-            <a:r>
-              <a:rPr lang="tr-TR" sz="3600">
+            <a:r>
+              <a:rPr lang="tr-TR" sz="3600" dirty="0">
                 <a:solidFill>
                   <a:srgbClr val="243041"/>
                 </a:solidFill>
-                <a:hlinkClick r:id="rId2"/>
               </a:rPr>
-              <a:t>http://music.cs.deu.edu.tr/katip</a:t>
-            </a:r>
-            <a:endParaRPr lang="tr-TR" sz="3600">
-              <a:solidFill>
-                <a:srgbClr val="243041"/>
-              </a:solidFill>
-            </a:endParaRPr>
+              <a:t>Türk müziği için özelleşmiş ücretsiz bir ortam oluşturmak.</a:t>
+            </a:r>
+          </a:p>
+          <a:p>
+            <a:r>
+              <a:rPr lang="tr-TR" sz="3600" dirty="0">
+                <a:solidFill>
+                  <a:srgbClr val="243041"/>
+                </a:solidFill>
+              </a:rPr>
+              <a:t>İzinler doğrultusunda müzikal verilerden sayısal havuz derlemek.</a:t>
+            </a:r>
           </a:p>
         </p:txBody>
       </p:sp>
@@ -4958,7 +4751,7 @@
     </p:spTree>
     <p:extLst>
       <p:ext uri="{BB962C8B-B14F-4D97-AF65-F5344CB8AC3E}">
-        <p14:creationId xmlns:p14="http://schemas.microsoft.com/office/powerpoint/2010/main" val="4138693522"/>
+        <p14:creationId xmlns:p14="http://schemas.microsoft.com/office/powerpoint/2010/main" val="3718857474"/>
       </p:ext>
     </p:extLst>
   </p:cSld>
@@ -5013,7 +4806,7 @@
                 </a:solidFill>
                 <a:latin typeface="Cambria" panose="02040503050406030204" pitchFamily="18" charset="0"/>
               </a:rPr>
-              <a:t>Amaç</a:t>
+              <a:t>Hedefler</a:t>
             </a:r>
           </a:p>
         </p:txBody>
@@ -5047,18 +4840,63 @@
                   <a:srgbClr val="243041"/>
                 </a:solidFill>
               </a:rPr>
-              <a:t>Türk müziği için özelleşmiş ücretsiz bir ortam oluşturmak.</a:t>
-            </a:r>
-          </a:p>
-          <a:p>
+              <a:t>Kanun, ud, bağlama «soundfont» dosyaları oluşturmak.</a:t>
+            </a:r>
+          </a:p>
+          <a:p>
+            <a:r>
+              <a:rPr lang="tr-TR" sz="3600">
+                <a:solidFill>
+                  <a:srgbClr val="243041"/>
+                </a:solidFill>
+              </a:rPr>
+              <a:t>AEU, </a:t>
+            </a:r>
             <a:r>
               <a:rPr lang="tr-TR" sz="3600" dirty="0">
                 <a:solidFill>
                   <a:srgbClr val="243041"/>
                 </a:solidFill>
               </a:rPr>
-              <a:t>İzinler doğrultusunda müzikal verilerden sayısal havuz derlemek.</a:t>
-            </a:r>
+              <a:t>17’li perde dizgesi ve manuel entonasyon düzenlemeleri.</a:t>
+            </a:r>
+          </a:p>
+          <a:p>
+            <a:r>
+              <a:rPr lang="tr-TR" sz="3600" dirty="0">
+                <a:solidFill>
+                  <a:srgbClr val="243041"/>
+                </a:solidFill>
+              </a:rPr>
+              <a:t>Çoklu çalışma altyapısı.</a:t>
+            </a:r>
+          </a:p>
+          <a:p>
+            <a:r>
+              <a:rPr lang="tr-TR" sz="3600" dirty="0">
+                <a:solidFill>
+                  <a:srgbClr val="243041"/>
+                </a:solidFill>
+              </a:rPr>
+              <a:t>Geri bildirimler ile sürekli gelişim.</a:t>
+            </a:r>
+          </a:p>
+          <a:p>
+            <a:r>
+              <a:rPr lang="tr-TR" sz="3600" dirty="0">
+                <a:solidFill>
+                  <a:srgbClr val="243041"/>
+                </a:solidFill>
+              </a:rPr>
+              <a:t>Yapay zeka destekli özellikler.</a:t>
+            </a:r>
+          </a:p>
+          <a:p>
+            <a:endParaRPr lang="tr-TR" sz="3600" dirty="0">
+              <a:solidFill>
+                <a:srgbClr val="243041"/>
+              </a:solidFill>
+            </a:endParaRPr>
           </a:p>
         </p:txBody>
       </p:sp>
@@ -5094,7 +4932,7 @@
     </p:spTree>
     <p:extLst>
       <p:ext uri="{BB962C8B-B14F-4D97-AF65-F5344CB8AC3E}">
-        <p14:creationId xmlns:p14="http://schemas.microsoft.com/office/powerpoint/2010/main" val="3718857474"/>
+        <p14:creationId xmlns:p14="http://schemas.microsoft.com/office/powerpoint/2010/main" val="3125555237"/>
       </p:ext>
     </p:extLst>
   </p:cSld>
@@ -5143,13 +4981,13 @@
           <a:lstStyle/>
           <a:p>
             <a:r>
-              <a:rPr lang="tr-TR" dirty="0">
+              <a:rPr lang="tr-TR">
                 <a:solidFill>
                   <a:srgbClr val="243041"/>
                 </a:solidFill>
                 <a:latin typeface="Cambria" panose="02040503050406030204" pitchFamily="18" charset="0"/>
               </a:rPr>
-              <a:t>Hedefler</a:t>
+              <a:t>Grafiksel Arayüz (Demo)</a:t>
             </a:r>
           </a:p>
         </p:txBody>
@@ -5177,57 +5015,19 @@
           </a:bodyPr>
           <a:lstStyle/>
           <a:p>
-            <a:r>
-              <a:rPr lang="tr-TR" sz="3600" dirty="0">
+            <a:pPr marL="0" indent="0">
+              <a:buNone/>
+            </a:pPr>
+            <a:r>
+              <a:rPr lang="tr-TR" sz="3600">
                 <a:solidFill>
                   <a:srgbClr val="243041"/>
                 </a:solidFill>
+                <a:hlinkClick r:id="rId2"/>
               </a:rPr>
-              <a:t>Kanun, ud, bağlama «soundfont» dosyaları oluşturmak.</a:t>
-            </a:r>
-          </a:p>
-          <a:p>
-            <a:r>
-              <a:rPr lang="tr-TR" sz="3600" dirty="0">
-                <a:solidFill>
-                  <a:srgbClr val="243041"/>
-                </a:solidFill>
-              </a:rPr>
-              <a:t>AEÜ, 17’li perde dizgesi ve manuel entonasyon düzenlemeleri.</a:t>
-            </a:r>
-          </a:p>
-          <a:p>
-            <a:r>
-              <a:rPr lang="tr-TR" sz="3600" dirty="0">
-                <a:solidFill>
-                  <a:srgbClr val="243041"/>
-                </a:solidFill>
-              </a:rPr>
-              <a:t>Çoklu çalışma altyapısı.</a:t>
-            </a:r>
-          </a:p>
-          <a:p>
-            <a:r>
-              <a:rPr lang="tr-TR" sz="3600" dirty="0">
-                <a:solidFill>
-                  <a:srgbClr val="243041"/>
-                </a:solidFill>
-              </a:rPr>
-              <a:t>Geri bildirimler ile sürekli gelişim.</a:t>
-            </a:r>
-          </a:p>
-          <a:p>
-            <a:r>
-              <a:rPr lang="tr-TR" sz="3600" dirty="0">
-                <a:solidFill>
-                  <a:srgbClr val="243041"/>
-                </a:solidFill>
-              </a:rPr>
-              <a:t>Yapay zeka destekli özellikler.</a:t>
-            </a:r>
-          </a:p>
-          <a:p>
-            <a:endParaRPr lang="tr-TR" sz="3600" dirty="0">
+              <a:t>http://music.cs.deu.edu.tr/katip</a:t>
+            </a:r>
+            <a:endParaRPr lang="tr-TR" sz="3600">
               <a:solidFill>
                 <a:srgbClr val="243041"/>
               </a:solidFill>
@@ -5267,136 +5067,7 @@
     </p:spTree>
     <p:extLst>
       <p:ext uri="{BB962C8B-B14F-4D97-AF65-F5344CB8AC3E}">
-        <p14:creationId xmlns:p14="http://schemas.microsoft.com/office/powerpoint/2010/main" val="3125555237"/>
-      </p:ext>
-    </p:extLst>
-  </p:cSld>
-  <p:clrMapOvr>
-    <a:masterClrMapping/>
-  </p:clrMapOvr>
-</p:sld>
-</file>
-
-<file path=ppt/slides/slide7.xml><?xml version="1.0" encoding="utf-8"?>
-<p:sld xmlns:a="http://schemas.openxmlformats.org/drawingml/2006/main" xmlns:r="http://schemas.openxmlformats.org/officeDocument/2006/relationships" xmlns:p="http://schemas.openxmlformats.org/presentationml/2006/main">
-  <p:cSld>
-    <p:spTree>
-      <p:nvGrpSpPr>
-        <p:cNvPr id="1" name=""/>
-        <p:cNvGrpSpPr/>
-        <p:nvPr/>
-      </p:nvGrpSpPr>
-      <p:grpSpPr>
-        <a:xfrm>
-          <a:off x="0" y="0"/>
-          <a:ext cx="0" cy="0"/>
-          <a:chOff x="0" y="0"/>
-          <a:chExt cx="0" cy="0"/>
-        </a:xfrm>
-      </p:grpSpPr>
-      <p:sp>
-        <p:nvSpPr>
-          <p:cNvPr id="2" name="Title 1">
-            <a:extLst>
-              <a:ext uri="{FF2B5EF4-FFF2-40B4-BE49-F238E27FC236}">
-                <a16:creationId xmlns:a16="http://schemas.microsoft.com/office/drawing/2014/main" id="{D1B1EED6-F70F-2C42-982B-7304BE48B48E}"/>
-              </a:ext>
-            </a:extLst>
-          </p:cNvPr>
-          <p:cNvSpPr>
-            <a:spLocks noGrp="1"/>
-          </p:cNvSpPr>
-          <p:nvPr>
-            <p:ph type="title"/>
-          </p:nvPr>
-        </p:nvSpPr>
-        <p:spPr/>
-        <p:txBody>
-          <a:bodyPr/>
-          <a:lstStyle/>
-          <a:p>
-            <a:r>
-              <a:rPr lang="tr-TR" dirty="0">
-                <a:solidFill>
-                  <a:srgbClr val="243041"/>
-                </a:solidFill>
-                <a:latin typeface="Cambria" panose="02040503050406030204" pitchFamily="18" charset="0"/>
-              </a:rPr>
-              <a:t>Sonuç</a:t>
-            </a:r>
-          </a:p>
-        </p:txBody>
-      </p:sp>
-      <p:sp>
-        <p:nvSpPr>
-          <p:cNvPr id="3" name="Content Placeholder 2">
-            <a:extLst>
-              <a:ext uri="{FF2B5EF4-FFF2-40B4-BE49-F238E27FC236}">
-                <a16:creationId xmlns:a16="http://schemas.microsoft.com/office/drawing/2014/main" id="{4E958FD7-5D47-F247-A470-4E94A4F14BAB}"/>
-              </a:ext>
-            </a:extLst>
-          </p:cNvPr>
-          <p:cNvSpPr>
-            <a:spLocks noGrp="1"/>
-          </p:cNvSpPr>
-          <p:nvPr>
-            <p:ph idx="1"/>
-          </p:nvPr>
-        </p:nvSpPr>
-        <p:spPr/>
-        <p:txBody>
-          <a:bodyPr>
-            <a:normAutofit/>
-          </a:bodyPr>
-          <a:lstStyle/>
-          <a:p>
-            <a:pPr marL="0" indent="0">
-              <a:buNone/>
-            </a:pPr>
-            <a:r>
-              <a:rPr lang="tr-TR" sz="3600" dirty="0">
-                <a:solidFill>
-                  <a:srgbClr val="243041"/>
-                </a:solidFill>
-              </a:rPr>
-              <a:t>Binlerce yıllık tarihimizin nişanesi olan musikimizin hizmetine modern ve ücretsiz bir teknolojik araç ekleyerek, sanatımıza ve sanatçımıza naçizane bir yardımcı el hediye etmeye gayret etmekteyiz.</a:t>
-            </a:r>
-          </a:p>
-        </p:txBody>
-      </p:sp>
-      <p:sp>
-        <p:nvSpPr>
-          <p:cNvPr id="4" name="Slide Number Placeholder 3">
-            <a:extLst>
-              <a:ext uri="{FF2B5EF4-FFF2-40B4-BE49-F238E27FC236}">
-                <a16:creationId xmlns:a16="http://schemas.microsoft.com/office/drawing/2014/main" id="{21960B8E-F2EC-0C45-8C3C-47B7B748920B}"/>
-              </a:ext>
-            </a:extLst>
-          </p:cNvPr>
-          <p:cNvSpPr>
-            <a:spLocks noGrp="1"/>
-          </p:cNvSpPr>
-          <p:nvPr>
-            <p:ph type="sldNum" sz="quarter" idx="12"/>
-          </p:nvPr>
-        </p:nvSpPr>
-        <p:spPr/>
-        <p:txBody>
-          <a:bodyPr/>
-          <a:lstStyle/>
-          <a:p>
-            <a:fld id="{0B0A7288-46A4-3940-A53E-A8FC0B879407}" type="slidenum">
-              <a:rPr lang="en-TR" smtClean="0"/>
-              <a:t>7</a:t>
-            </a:fld>
-            <a:endParaRPr lang="en-TR"/>
-          </a:p>
-        </p:txBody>
-      </p:sp>
-    </p:spTree>
-    <p:extLst>
-      <p:ext uri="{BB962C8B-B14F-4D97-AF65-F5344CB8AC3E}">
-        <p14:creationId xmlns:p14="http://schemas.microsoft.com/office/powerpoint/2010/main" val="2887808065"/>
+        <p14:creationId xmlns:p14="http://schemas.microsoft.com/office/powerpoint/2010/main" val="4138693522"/>
       </p:ext>
     </p:extLst>
   </p:cSld>
